--- a/docs/python环境搭建.pptx
+++ b/docs/python环境搭建.pptx
@@ -11,8 +11,9 @@
     <p:sldId id="259" r:id="rId5"/>
     <p:sldId id="260" r:id="rId6"/>
     <p:sldId id="261" r:id="rId7"/>
-    <p:sldId id="262" r:id="rId8"/>
-    <p:sldId id="263" r:id="rId9"/>
+    <p:sldId id="264" r:id="rId8"/>
+    <p:sldId id="262" r:id="rId9"/>
+    <p:sldId id="263" r:id="rId10"/>
   </p:sldIdLst>
   <p:sldSz cx="12192000" cy="6858000"/>
   <p:notesSz cx="6858000" cy="9144000"/>
@@ -292,7 +293,7 @@
           <a:p>
             <a:fld id="{2F2910DE-9BE9-4A98-B828-362FD1DC944E}" type="datetimeFigureOut">
               <a:rPr lang="zh-CN" altLang="en-US" smtClean="0"/>
-              <a:t>2018/7/5</a:t>
+              <a:t>2018/7/9</a:t>
             </a:fld>
             <a:endParaRPr lang="zh-CN" altLang="en-US"/>
           </a:p>
@@ -490,7 +491,7 @@
           <a:p>
             <a:fld id="{2F2910DE-9BE9-4A98-B828-362FD1DC944E}" type="datetimeFigureOut">
               <a:rPr lang="zh-CN" altLang="en-US" smtClean="0"/>
-              <a:t>2018/7/5</a:t>
+              <a:t>2018/7/9</a:t>
             </a:fld>
             <a:endParaRPr lang="zh-CN" altLang="en-US"/>
           </a:p>
@@ -698,7 +699,7 @@
           <a:p>
             <a:fld id="{2F2910DE-9BE9-4A98-B828-362FD1DC944E}" type="datetimeFigureOut">
               <a:rPr lang="zh-CN" altLang="en-US" smtClean="0"/>
-              <a:t>2018/7/5</a:t>
+              <a:t>2018/7/9</a:t>
             </a:fld>
             <a:endParaRPr lang="zh-CN" altLang="en-US"/>
           </a:p>
@@ -896,7 +897,7 @@
           <a:p>
             <a:fld id="{2F2910DE-9BE9-4A98-B828-362FD1DC944E}" type="datetimeFigureOut">
               <a:rPr lang="zh-CN" altLang="en-US" smtClean="0"/>
-              <a:t>2018/7/5</a:t>
+              <a:t>2018/7/9</a:t>
             </a:fld>
             <a:endParaRPr lang="zh-CN" altLang="en-US"/>
           </a:p>
@@ -1171,7 +1172,7 @@
           <a:p>
             <a:fld id="{2F2910DE-9BE9-4A98-B828-362FD1DC944E}" type="datetimeFigureOut">
               <a:rPr lang="zh-CN" altLang="en-US" smtClean="0"/>
-              <a:t>2018/7/5</a:t>
+              <a:t>2018/7/9</a:t>
             </a:fld>
             <a:endParaRPr lang="zh-CN" altLang="en-US"/>
           </a:p>
@@ -1436,7 +1437,7 @@
           <a:p>
             <a:fld id="{2F2910DE-9BE9-4A98-B828-362FD1DC944E}" type="datetimeFigureOut">
               <a:rPr lang="zh-CN" altLang="en-US" smtClean="0"/>
-              <a:t>2018/7/5</a:t>
+              <a:t>2018/7/9</a:t>
             </a:fld>
             <a:endParaRPr lang="zh-CN" altLang="en-US"/>
           </a:p>
@@ -1848,7 +1849,7 @@
           <a:p>
             <a:fld id="{2F2910DE-9BE9-4A98-B828-362FD1DC944E}" type="datetimeFigureOut">
               <a:rPr lang="zh-CN" altLang="en-US" smtClean="0"/>
-              <a:t>2018/7/5</a:t>
+              <a:t>2018/7/9</a:t>
             </a:fld>
             <a:endParaRPr lang="zh-CN" altLang="en-US"/>
           </a:p>
@@ -1989,7 +1990,7 @@
           <a:p>
             <a:fld id="{2F2910DE-9BE9-4A98-B828-362FD1DC944E}" type="datetimeFigureOut">
               <a:rPr lang="zh-CN" altLang="en-US" smtClean="0"/>
-              <a:t>2018/7/5</a:t>
+              <a:t>2018/7/9</a:t>
             </a:fld>
             <a:endParaRPr lang="zh-CN" altLang="en-US"/>
           </a:p>
@@ -2102,7 +2103,7 @@
           <a:p>
             <a:fld id="{2F2910DE-9BE9-4A98-B828-362FD1DC944E}" type="datetimeFigureOut">
               <a:rPr lang="zh-CN" altLang="en-US" smtClean="0"/>
-              <a:t>2018/7/5</a:t>
+              <a:t>2018/7/9</a:t>
             </a:fld>
             <a:endParaRPr lang="zh-CN" altLang="en-US"/>
           </a:p>
@@ -2413,7 +2414,7 @@
           <a:p>
             <a:fld id="{2F2910DE-9BE9-4A98-B828-362FD1DC944E}" type="datetimeFigureOut">
               <a:rPr lang="zh-CN" altLang="en-US" smtClean="0"/>
-              <a:t>2018/7/5</a:t>
+              <a:t>2018/7/9</a:t>
             </a:fld>
             <a:endParaRPr lang="zh-CN" altLang="en-US"/>
           </a:p>
@@ -2701,7 +2702,7 @@
           <a:p>
             <a:fld id="{2F2910DE-9BE9-4A98-B828-362FD1DC944E}" type="datetimeFigureOut">
               <a:rPr lang="zh-CN" altLang="en-US" smtClean="0"/>
-              <a:t>2018/7/5</a:t>
+              <a:t>2018/7/9</a:t>
             </a:fld>
             <a:endParaRPr lang="zh-CN" altLang="en-US"/>
           </a:p>
@@ -2945,7 +2946,7 @@
           <a:p>
             <a:fld id="{2F2910DE-9BE9-4A98-B828-362FD1DC944E}" type="datetimeFigureOut">
               <a:rPr lang="zh-CN" altLang="en-US" smtClean="0"/>
-              <a:t>2018/7/5</a:t>
+              <a:t>2018/7/9</a:t>
             </a:fld>
             <a:endParaRPr lang="zh-CN" altLang="en-US"/>
           </a:p>
@@ -3470,6 +3471,18 @@
   <p:clrMapOvr>
     <a:masterClrMapping/>
   </p:clrMapOvr>
+  <mc:AlternateContent xmlns:mc="http://schemas.openxmlformats.org/markup-compatibility/2006">
+    <mc:Choice xmlns:p14="http://schemas.microsoft.com/office/powerpoint/2010/main" Requires="p14">
+      <p:transition spd="med" p14:dur="700">
+        <p:fade/>
+      </p:transition>
+    </mc:Choice>
+    <mc:Fallback>
+      <p:transition spd="med">
+        <p:fade/>
+      </p:transition>
+    </mc:Fallback>
+  </mc:AlternateContent>
 </p:sld>
 </file>
 
@@ -3810,6 +3823,18 @@
   <p:clrMapOvr>
     <a:masterClrMapping/>
   </p:clrMapOvr>
+  <mc:AlternateContent xmlns:mc="http://schemas.openxmlformats.org/markup-compatibility/2006">
+    <mc:Choice xmlns:p14="http://schemas.microsoft.com/office/powerpoint/2010/main" Requires="p14">
+      <p:transition spd="med" p14:dur="700">
+        <p:fade/>
+      </p:transition>
+    </mc:Choice>
+    <mc:Fallback>
+      <p:transition spd="med">
+        <p:fade/>
+      </p:transition>
+    </mc:Fallback>
+  </mc:AlternateContent>
   <p:timing>
     <p:tnLst>
       <p:par>
@@ -4234,6 +4259,18 @@
   <p:clrMapOvr>
     <a:masterClrMapping/>
   </p:clrMapOvr>
+  <mc:AlternateContent xmlns:mc="http://schemas.openxmlformats.org/markup-compatibility/2006">
+    <mc:Choice xmlns:p14="http://schemas.microsoft.com/office/powerpoint/2010/main" Requires="p14">
+      <p:transition spd="med" p14:dur="700">
+        <p:fade/>
+      </p:transition>
+    </mc:Choice>
+    <mc:Fallback>
+      <p:transition spd="med">
+        <p:fade/>
+      </p:transition>
+    </mc:Fallback>
+  </mc:AlternateContent>
 </p:sld>
 </file>
 
@@ -4346,6 +4383,18 @@
   <p:clrMapOvr>
     <a:masterClrMapping/>
   </p:clrMapOvr>
+  <mc:AlternateContent xmlns:mc="http://schemas.openxmlformats.org/markup-compatibility/2006">
+    <mc:Choice xmlns:p14="http://schemas.microsoft.com/office/powerpoint/2010/main" Requires="p14">
+      <p:transition spd="med" p14:dur="700">
+        <p:fade/>
+      </p:transition>
+    </mc:Choice>
+    <mc:Fallback>
+      <p:transition spd="med">
+        <p:fade/>
+      </p:transition>
+    </mc:Fallback>
+  </mc:AlternateContent>
 </p:sld>
 </file>
 
@@ -4435,6 +4484,18 @@
   <p:clrMapOvr>
     <a:masterClrMapping/>
   </p:clrMapOvr>
+  <mc:AlternateContent xmlns:mc="http://schemas.openxmlformats.org/markup-compatibility/2006">
+    <mc:Choice xmlns:p14="http://schemas.microsoft.com/office/powerpoint/2010/main" Requires="p14">
+      <p:transition spd="med" p14:dur="700">
+        <p:fade/>
+      </p:transition>
+    </mc:Choice>
+    <mc:Fallback>
+      <p:transition spd="med">
+        <p:fade/>
+      </p:transition>
+    </mc:Fallback>
+  </mc:AlternateContent>
 </p:sld>
 </file>
 
@@ -4527,6 +4588,18 @@
   <p:clrMapOvr>
     <a:masterClrMapping/>
   </p:clrMapOvr>
+  <mc:AlternateContent xmlns:mc="http://schemas.openxmlformats.org/markup-compatibility/2006">
+    <mc:Choice xmlns:p14="http://schemas.microsoft.com/office/powerpoint/2010/main" Requires="p14">
+      <p:transition spd="med" p14:dur="700">
+        <p:fade/>
+      </p:transition>
+    </mc:Choice>
+    <mc:Fallback>
+      <p:transition spd="med">
+        <p:fade/>
+      </p:transition>
+    </mc:Fallback>
+  </mc:AlternateContent>
 </p:sld>
 </file>
 
@@ -4584,7 +4657,27 @@
                 <a:latin typeface="微软雅黑" panose="020B0503020204020204" pitchFamily="34" charset="-122"/>
                 <a:ea typeface="微软雅黑" panose="020B0503020204020204" pitchFamily="34" charset="-122"/>
               </a:rPr>
-              <a:t>第五步：测试一下</a:t>
+              <a:t>第四步：安装</a:t>
+            </a:r>
+            <a:r>
+              <a:rPr lang="en-US" altLang="zh-CN" sz="6000" dirty="0">
+                <a:solidFill>
+                  <a:schemeClr val="bg1"/>
+                </a:solidFill>
+                <a:latin typeface="微软雅黑" panose="020B0503020204020204" pitchFamily="34" charset="-122"/>
+                <a:ea typeface="微软雅黑" panose="020B0503020204020204" pitchFamily="34" charset="-122"/>
+              </a:rPr>
+              <a:t>NumPy</a:t>
+            </a:r>
+            <a:r>
+              <a:rPr lang="zh-CN" altLang="en-US" sz="6000" dirty="0">
+                <a:solidFill>
+                  <a:schemeClr val="bg1"/>
+                </a:solidFill>
+                <a:latin typeface="微软雅黑" panose="020B0503020204020204" pitchFamily="34" charset="-122"/>
+                <a:ea typeface="微软雅黑" panose="020B0503020204020204" pitchFamily="34" charset="-122"/>
+              </a:rPr>
+              <a:t>库</a:t>
             </a:r>
           </a:p>
         </p:txBody>
@@ -4592,13 +4685,25 @@
     </p:spTree>
     <p:extLst>
       <p:ext uri="{BB962C8B-B14F-4D97-AF65-F5344CB8AC3E}">
-        <p14:creationId xmlns:p14="http://schemas.microsoft.com/office/powerpoint/2010/main" val="2515999620"/>
+        <p14:creationId xmlns:p14="http://schemas.microsoft.com/office/powerpoint/2010/main" val="2796436485"/>
       </p:ext>
     </p:extLst>
   </p:cSld>
   <p:clrMapOvr>
     <a:masterClrMapping/>
   </p:clrMapOvr>
+  <mc:AlternateContent xmlns:mc="http://schemas.openxmlformats.org/markup-compatibility/2006">
+    <mc:Choice xmlns:p14="http://schemas.microsoft.com/office/powerpoint/2010/main" Requires="p14">
+      <p:transition spd="med" p14:dur="700">
+        <p:fade/>
+      </p:transition>
+    </mc:Choice>
+    <mc:Fallback>
+      <p:transition spd="med">
+        <p:fade/>
+      </p:transition>
+    </mc:Fallback>
+  </mc:AlternateContent>
 </p:sld>
 </file>
 
@@ -4624,6 +4729,90 @@
           <p:cNvPr id="2" name="标题 1">
             <a:extLst>
               <a:ext uri="{FF2B5EF4-FFF2-40B4-BE49-F238E27FC236}">
+                <a16:creationId xmlns:a16="http://schemas.microsoft.com/office/drawing/2014/main" id="{FFD7E520-385C-4F25-9368-13EC81F8AFD1}"/>
+              </a:ext>
+            </a:extLst>
+          </p:cNvPr>
+          <p:cNvSpPr>
+            <a:spLocks noGrp="1"/>
+          </p:cNvSpPr>
+          <p:nvPr>
+            <p:ph type="title"/>
+          </p:nvPr>
+        </p:nvSpPr>
+        <p:spPr>
+          <a:xfrm>
+            <a:off x="1127448" y="2766219"/>
+            <a:ext cx="9937104" cy="1325563"/>
+          </a:xfrm>
+        </p:spPr>
+        <p:txBody>
+          <a:bodyPr>
+            <a:normAutofit/>
+          </a:bodyPr>
+          <a:lstStyle/>
+          <a:p>
+            <a:pPr algn="ctr"/>
+            <a:r>
+              <a:rPr lang="zh-CN" altLang="en-US" sz="6000" dirty="0">
+                <a:solidFill>
+                  <a:schemeClr val="bg1"/>
+                </a:solidFill>
+                <a:latin typeface="微软雅黑" panose="020B0503020204020204" pitchFamily="34" charset="-122"/>
+                <a:ea typeface="微软雅黑" panose="020B0503020204020204" pitchFamily="34" charset="-122"/>
+              </a:rPr>
+              <a:t>第五步：测试一下</a:t>
+            </a:r>
+          </a:p>
+        </p:txBody>
+      </p:sp>
+    </p:spTree>
+    <p:extLst>
+      <p:ext uri="{BB962C8B-B14F-4D97-AF65-F5344CB8AC3E}">
+        <p14:creationId xmlns:p14="http://schemas.microsoft.com/office/powerpoint/2010/main" val="2515999620"/>
+      </p:ext>
+    </p:extLst>
+  </p:cSld>
+  <p:clrMapOvr>
+    <a:masterClrMapping/>
+  </p:clrMapOvr>
+  <mc:AlternateContent xmlns:mc="http://schemas.openxmlformats.org/markup-compatibility/2006">
+    <mc:Choice xmlns:p14="http://schemas.microsoft.com/office/powerpoint/2010/main" Requires="p14">
+      <p:transition spd="med" p14:dur="700">
+        <p:fade/>
+      </p:transition>
+    </mc:Choice>
+    <mc:Fallback>
+      <p:transition spd="med">
+        <p:fade/>
+      </p:transition>
+    </mc:Fallback>
+  </mc:AlternateContent>
+</p:sld>
+</file>
+
+<file path=ppt/slides/slide9.xml><?xml version="1.0" encoding="utf-8"?>
+<p:sld xmlns:a="http://schemas.openxmlformats.org/drawingml/2006/main" xmlns:r="http://schemas.openxmlformats.org/officeDocument/2006/relationships" xmlns:p="http://schemas.openxmlformats.org/presentationml/2006/main">
+  <p:cSld>
+    <p:spTree>
+      <p:nvGrpSpPr>
+        <p:cNvPr id="1" name=""/>
+        <p:cNvGrpSpPr/>
+        <p:nvPr/>
+      </p:nvGrpSpPr>
+      <p:grpSpPr>
+        <a:xfrm>
+          <a:off x="0" y="0"/>
+          <a:ext cx="0" cy="0"/>
+          <a:chOff x="0" y="0"/>
+          <a:chExt cx="0" cy="0"/>
+        </a:xfrm>
+      </p:grpSpPr>
+      <p:sp>
+        <p:nvSpPr>
+          <p:cNvPr id="2" name="标题 1">
+            <a:extLst>
+              <a:ext uri="{FF2B5EF4-FFF2-40B4-BE49-F238E27FC236}">
                 <a16:creationId xmlns:a16="http://schemas.microsoft.com/office/drawing/2014/main" id="{BFEB4AE1-17E9-4B6B-88A6-E0A44E33050B}"/>
               </a:ext>
             </a:extLst>
@@ -4670,6 +4859,18 @@
   <p:clrMapOvr>
     <a:masterClrMapping/>
   </p:clrMapOvr>
+  <mc:AlternateContent xmlns:mc="http://schemas.openxmlformats.org/markup-compatibility/2006">
+    <mc:Choice xmlns:p14="http://schemas.microsoft.com/office/powerpoint/2010/main" Requires="p14">
+      <p:transition spd="med" p14:dur="700">
+        <p:fade/>
+      </p:transition>
+    </mc:Choice>
+    <mc:Fallback>
+      <p:transition spd="med">
+        <p:fade/>
+      </p:transition>
+    </mc:Fallback>
+  </mc:AlternateContent>
 </p:sld>
 </file>
 

--- a/docs/python环境搭建.pptx
+++ b/docs/python环境搭建.pptx
@@ -6,14 +6,18 @@
   </p:sldMasterIdLst>
   <p:sldIdLst>
     <p:sldId id="256" r:id="rId2"/>
-    <p:sldId id="257" r:id="rId3"/>
-    <p:sldId id="258" r:id="rId4"/>
-    <p:sldId id="259" r:id="rId5"/>
-    <p:sldId id="260" r:id="rId6"/>
-    <p:sldId id="261" r:id="rId7"/>
-    <p:sldId id="264" r:id="rId8"/>
-    <p:sldId id="262" r:id="rId9"/>
-    <p:sldId id="263" r:id="rId10"/>
+    <p:sldId id="265" r:id="rId3"/>
+    <p:sldId id="267" r:id="rId4"/>
+    <p:sldId id="266" r:id="rId5"/>
+    <p:sldId id="258" r:id="rId6"/>
+    <p:sldId id="259" r:id="rId7"/>
+    <p:sldId id="260" r:id="rId8"/>
+    <p:sldId id="270" r:id="rId9"/>
+    <p:sldId id="261" r:id="rId10"/>
+    <p:sldId id="268" r:id="rId11"/>
+    <p:sldId id="264" r:id="rId12"/>
+    <p:sldId id="269" r:id="rId13"/>
+    <p:sldId id="263" r:id="rId14"/>
   </p:sldIdLst>
   <p:sldSz cx="12192000" cy="6858000"/>
   <p:notesSz cx="6858000" cy="9144000"/>
@@ -293,7 +297,7 @@
           <a:p>
             <a:fld id="{2F2910DE-9BE9-4A98-B828-362FD1DC944E}" type="datetimeFigureOut">
               <a:rPr lang="zh-CN" altLang="en-US" smtClean="0"/>
-              <a:t>2018/7/9</a:t>
+              <a:t>2018/7/15</a:t>
             </a:fld>
             <a:endParaRPr lang="zh-CN" altLang="en-US"/>
           </a:p>
@@ -491,7 +495,7 @@
           <a:p>
             <a:fld id="{2F2910DE-9BE9-4A98-B828-362FD1DC944E}" type="datetimeFigureOut">
               <a:rPr lang="zh-CN" altLang="en-US" smtClean="0"/>
-              <a:t>2018/7/9</a:t>
+              <a:t>2018/7/15</a:t>
             </a:fld>
             <a:endParaRPr lang="zh-CN" altLang="en-US"/>
           </a:p>
@@ -699,7 +703,7 @@
           <a:p>
             <a:fld id="{2F2910DE-9BE9-4A98-B828-362FD1DC944E}" type="datetimeFigureOut">
               <a:rPr lang="zh-CN" altLang="en-US" smtClean="0"/>
-              <a:t>2018/7/9</a:t>
+              <a:t>2018/7/15</a:t>
             </a:fld>
             <a:endParaRPr lang="zh-CN" altLang="en-US"/>
           </a:p>
@@ -897,7 +901,7 @@
           <a:p>
             <a:fld id="{2F2910DE-9BE9-4A98-B828-362FD1DC944E}" type="datetimeFigureOut">
               <a:rPr lang="zh-CN" altLang="en-US" smtClean="0"/>
-              <a:t>2018/7/9</a:t>
+              <a:t>2018/7/15</a:t>
             </a:fld>
             <a:endParaRPr lang="zh-CN" altLang="en-US"/>
           </a:p>
@@ -1172,7 +1176,7 @@
           <a:p>
             <a:fld id="{2F2910DE-9BE9-4A98-B828-362FD1DC944E}" type="datetimeFigureOut">
               <a:rPr lang="zh-CN" altLang="en-US" smtClean="0"/>
-              <a:t>2018/7/9</a:t>
+              <a:t>2018/7/15</a:t>
             </a:fld>
             <a:endParaRPr lang="zh-CN" altLang="en-US"/>
           </a:p>
@@ -1437,7 +1441,7 @@
           <a:p>
             <a:fld id="{2F2910DE-9BE9-4A98-B828-362FD1DC944E}" type="datetimeFigureOut">
               <a:rPr lang="zh-CN" altLang="en-US" smtClean="0"/>
-              <a:t>2018/7/9</a:t>
+              <a:t>2018/7/15</a:t>
             </a:fld>
             <a:endParaRPr lang="zh-CN" altLang="en-US"/>
           </a:p>
@@ -1849,7 +1853,7 @@
           <a:p>
             <a:fld id="{2F2910DE-9BE9-4A98-B828-362FD1DC944E}" type="datetimeFigureOut">
               <a:rPr lang="zh-CN" altLang="en-US" smtClean="0"/>
-              <a:t>2018/7/9</a:t>
+              <a:t>2018/7/15</a:t>
             </a:fld>
             <a:endParaRPr lang="zh-CN" altLang="en-US"/>
           </a:p>
@@ -1990,7 +1994,7 @@
           <a:p>
             <a:fld id="{2F2910DE-9BE9-4A98-B828-362FD1DC944E}" type="datetimeFigureOut">
               <a:rPr lang="zh-CN" altLang="en-US" smtClean="0"/>
-              <a:t>2018/7/9</a:t>
+              <a:t>2018/7/15</a:t>
             </a:fld>
             <a:endParaRPr lang="zh-CN" altLang="en-US"/>
           </a:p>
@@ -2103,7 +2107,7 @@
           <a:p>
             <a:fld id="{2F2910DE-9BE9-4A98-B828-362FD1DC944E}" type="datetimeFigureOut">
               <a:rPr lang="zh-CN" altLang="en-US" smtClean="0"/>
-              <a:t>2018/7/9</a:t>
+              <a:t>2018/7/15</a:t>
             </a:fld>
             <a:endParaRPr lang="zh-CN" altLang="en-US"/>
           </a:p>
@@ -2414,7 +2418,7 @@
           <a:p>
             <a:fld id="{2F2910DE-9BE9-4A98-B828-362FD1DC944E}" type="datetimeFigureOut">
               <a:rPr lang="zh-CN" altLang="en-US" smtClean="0"/>
-              <a:t>2018/7/9</a:t>
+              <a:t>2018/7/15</a:t>
             </a:fld>
             <a:endParaRPr lang="zh-CN" altLang="en-US"/>
           </a:p>
@@ -2702,7 +2706,7 @@
           <a:p>
             <a:fld id="{2F2910DE-9BE9-4A98-B828-362FD1DC944E}" type="datetimeFigureOut">
               <a:rPr lang="zh-CN" altLang="en-US" smtClean="0"/>
-              <a:t>2018/7/9</a:t>
+              <a:t>2018/7/15</a:t>
             </a:fld>
             <a:endParaRPr lang="zh-CN" altLang="en-US"/>
           </a:p>
@@ -2946,7 +2950,7 @@
           <a:p>
             <a:fld id="{2F2910DE-9BE9-4A98-B828-362FD1DC944E}" type="datetimeFigureOut">
               <a:rPr lang="zh-CN" altLang="en-US" smtClean="0"/>
-              <a:t>2018/7/9</a:t>
+              <a:t>2018/7/15</a:t>
             </a:fld>
             <a:endParaRPr lang="zh-CN" altLang="en-US"/>
           </a:p>
@@ -3471,13 +3475,508 @@
   <p:clrMapOvr>
     <a:masterClrMapping/>
   </p:clrMapOvr>
-  <mc:AlternateContent xmlns:mc="http://schemas.openxmlformats.org/markup-compatibility/2006">
-    <mc:Choice xmlns:p14="http://schemas.microsoft.com/office/powerpoint/2010/main" Requires="p14">
+  <mc:AlternateContent xmlns:mc="http://schemas.openxmlformats.org/markup-compatibility/2006" xmlns:p14="http://schemas.microsoft.com/office/powerpoint/2010/main">
+    <mc:Choice Requires="p14">
       <p:transition spd="med" p14:dur="700">
         <p:fade/>
       </p:transition>
     </mc:Choice>
-    <mc:Fallback>
+    <mc:Fallback xmlns="">
+      <p:transition spd="med">
+        <p:fade/>
+      </p:transition>
+    </mc:Fallback>
+  </mc:AlternateContent>
+</p:sld>
+</file>
+
+<file path=ppt/slides/slide10.xml><?xml version="1.0" encoding="utf-8"?>
+<p:sld xmlns:a="http://schemas.openxmlformats.org/drawingml/2006/main" xmlns:r="http://schemas.openxmlformats.org/officeDocument/2006/relationships" xmlns:p="http://schemas.openxmlformats.org/presentationml/2006/main">
+  <p:cSld>
+    <p:spTree>
+      <p:nvGrpSpPr>
+        <p:cNvPr id="1" name=""/>
+        <p:cNvGrpSpPr/>
+        <p:nvPr/>
+      </p:nvGrpSpPr>
+      <p:grpSpPr>
+        <a:xfrm>
+          <a:off x="0" y="0"/>
+          <a:ext cx="0" cy="0"/>
+          <a:chOff x="0" y="0"/>
+          <a:chExt cx="0" cy="0"/>
+        </a:xfrm>
+      </p:grpSpPr>
+      <p:sp>
+        <p:nvSpPr>
+          <p:cNvPr id="3" name="内容占位符 2">
+            <a:extLst>
+              <a:ext uri="{FF2B5EF4-FFF2-40B4-BE49-F238E27FC236}">
+                <a16:creationId xmlns:a16="http://schemas.microsoft.com/office/drawing/2014/main" id="{9C5DEDED-1E55-4662-AC90-FBCA64873081}"/>
+              </a:ext>
+            </a:extLst>
+          </p:cNvPr>
+          <p:cNvSpPr>
+            <a:spLocks noGrp="1"/>
+          </p:cNvSpPr>
+          <p:nvPr>
+            <p:ph idx="1"/>
+          </p:nvPr>
+        </p:nvSpPr>
+        <p:spPr>
+          <a:xfrm>
+            <a:off x="767408" y="1253331"/>
+            <a:ext cx="10515600" cy="4351338"/>
+          </a:xfrm>
+        </p:spPr>
+        <p:txBody>
+          <a:bodyPr>
+            <a:normAutofit/>
+          </a:bodyPr>
+          <a:lstStyle/>
+          <a:p>
+            <a:pPr marL="0" indent="0">
+              <a:buNone/>
+            </a:pPr>
+            <a:r>
+              <a:rPr lang="zh-CN" altLang="en-US" sz="3600" dirty="0">
+                <a:solidFill>
+                  <a:schemeClr val="bg1"/>
+                </a:solidFill>
+                <a:latin typeface="微软雅黑" panose="020B0503020204020204" pitchFamily="34" charset="-122"/>
+                <a:ea typeface="微软雅黑" panose="020B0503020204020204" pitchFamily="34" charset="-122"/>
+              </a:rPr>
+              <a:t>在命令行界面里</a:t>
+            </a:r>
+            <a:r>
+              <a:rPr lang="en-US" altLang="zh-CN" sz="3600" dirty="0">
+                <a:solidFill>
+                  <a:schemeClr val="bg1"/>
+                </a:solidFill>
+                <a:latin typeface="微软雅黑" panose="020B0503020204020204" pitchFamily="34" charset="-122"/>
+                <a:ea typeface="微软雅黑" panose="020B0503020204020204" pitchFamily="34" charset="-122"/>
+              </a:rPr>
+              <a:t>cd</a:t>
+            </a:r>
+            <a:r>
+              <a:rPr lang="zh-CN" altLang="en-US" sz="3600" dirty="0">
+                <a:solidFill>
+                  <a:schemeClr val="bg1"/>
+                </a:solidFill>
+                <a:latin typeface="微软雅黑" panose="020B0503020204020204" pitchFamily="34" charset="-122"/>
+                <a:ea typeface="微软雅黑" panose="020B0503020204020204" pitchFamily="34" charset="-122"/>
+              </a:rPr>
+              <a:t>到</a:t>
+            </a:r>
+            <a:r>
+              <a:rPr lang="en-US" altLang="zh-CN" sz="3600" dirty="0">
+                <a:solidFill>
+                  <a:schemeClr val="bg1"/>
+                </a:solidFill>
+                <a:latin typeface="微软雅黑" panose="020B0503020204020204" pitchFamily="34" charset="-122"/>
+                <a:ea typeface="微软雅黑" panose="020B0503020204020204" pitchFamily="34" charset="-122"/>
+              </a:rPr>
+              <a:t>Python</a:t>
+            </a:r>
+            <a:r>
+              <a:rPr lang="zh-CN" altLang="en-US" sz="3600" dirty="0">
+                <a:solidFill>
+                  <a:schemeClr val="bg1"/>
+                </a:solidFill>
+                <a:latin typeface="微软雅黑" panose="020B0503020204020204" pitchFamily="34" charset="-122"/>
+                <a:ea typeface="微软雅黑" panose="020B0503020204020204" pitchFamily="34" charset="-122"/>
+              </a:rPr>
+              <a:t>的安装目录下面的</a:t>
+            </a:r>
+            <a:r>
+              <a:rPr lang="en-US" altLang="zh-CN" sz="3600" dirty="0">
+                <a:solidFill>
+                  <a:schemeClr val="bg1"/>
+                </a:solidFill>
+                <a:latin typeface="微软雅黑" panose="020B0503020204020204" pitchFamily="34" charset="-122"/>
+                <a:ea typeface="微软雅黑" panose="020B0503020204020204" pitchFamily="34" charset="-122"/>
+              </a:rPr>
+              <a:t>Scripts</a:t>
+            </a:r>
+            <a:r>
+              <a:rPr lang="zh-CN" altLang="en-US" sz="3600" dirty="0">
+                <a:solidFill>
+                  <a:schemeClr val="bg1"/>
+                </a:solidFill>
+                <a:latin typeface="微软雅黑" panose="020B0503020204020204" pitchFamily="34" charset="-122"/>
+                <a:ea typeface="微软雅黑" panose="020B0503020204020204" pitchFamily="34" charset="-122"/>
+              </a:rPr>
+              <a:t>子目录（如 </a:t>
+            </a:r>
+            <a:r>
+              <a:rPr lang="en-US" altLang="zh-CN" sz="3600" dirty="0">
+                <a:solidFill>
+                  <a:srgbClr val="FFFF00"/>
+                </a:solidFill>
+                <a:latin typeface="微软雅黑" panose="020B0503020204020204" pitchFamily="34" charset="-122"/>
+                <a:ea typeface="微软雅黑" panose="020B0503020204020204" pitchFamily="34" charset="-122"/>
+              </a:rPr>
+              <a:t>C:\Python34\Scripts</a:t>
+            </a:r>
+            <a:r>
+              <a:rPr lang="zh-CN" altLang="en-US" sz="3600" dirty="0">
+                <a:solidFill>
+                  <a:schemeClr val="bg1"/>
+                </a:solidFill>
+                <a:latin typeface="微软雅黑" panose="020B0503020204020204" pitchFamily="34" charset="-122"/>
+                <a:ea typeface="微软雅黑" panose="020B0503020204020204" pitchFamily="34" charset="-122"/>
+              </a:rPr>
+              <a:t>），然后执行下面的命令：</a:t>
+            </a:r>
+          </a:p>
+          <a:p>
+            <a:pPr marL="0" indent="0">
+              <a:buNone/>
+            </a:pPr>
+            <a:endParaRPr lang="zh-CN" altLang="en-US" sz="3600" dirty="0">
+              <a:solidFill>
+                <a:schemeClr val="bg1"/>
+              </a:solidFill>
+              <a:latin typeface="微软雅黑" panose="020B0503020204020204" pitchFamily="34" charset="-122"/>
+              <a:ea typeface="微软雅黑" panose="020B0503020204020204" pitchFamily="34" charset="-122"/>
+            </a:endParaRPr>
+          </a:p>
+          <a:p>
+            <a:pPr marL="0" indent="0">
+              <a:buNone/>
+            </a:pPr>
+            <a:r>
+              <a:rPr lang="en-US" altLang="zh-CN" sz="3600" u="sng" dirty="0">
+                <a:solidFill>
+                  <a:srgbClr val="FFFF00"/>
+                </a:solidFill>
+                <a:latin typeface="微软雅黑" panose="020B0503020204020204" pitchFamily="34" charset="-122"/>
+                <a:ea typeface="微软雅黑" panose="020B0503020204020204" pitchFamily="34" charset="-122"/>
+              </a:rPr>
+              <a:t>pip3.4.exe install </a:t>
+            </a:r>
+            <a:r>
+              <a:rPr lang="en-US" altLang="zh-CN" sz="3600" u="sng" dirty="0" err="1">
+                <a:solidFill>
+                  <a:srgbClr val="FFFF00"/>
+                </a:solidFill>
+                <a:latin typeface="微软雅黑" panose="020B0503020204020204" pitchFamily="34" charset="-122"/>
+                <a:ea typeface="微软雅黑" panose="020B0503020204020204" pitchFamily="34" charset="-122"/>
+              </a:rPr>
+              <a:t>numpy</a:t>
+            </a:r>
+            <a:endParaRPr lang="en-US" altLang="zh-CN" sz="3600" u="sng" dirty="0">
+              <a:solidFill>
+                <a:srgbClr val="FFFF00"/>
+              </a:solidFill>
+              <a:latin typeface="微软雅黑" panose="020B0503020204020204" pitchFamily="34" charset="-122"/>
+              <a:ea typeface="微软雅黑" panose="020B0503020204020204" pitchFamily="34" charset="-122"/>
+            </a:endParaRPr>
+          </a:p>
+        </p:txBody>
+      </p:sp>
+    </p:spTree>
+    <p:extLst>
+      <p:ext uri="{BB962C8B-B14F-4D97-AF65-F5344CB8AC3E}">
+        <p14:creationId xmlns:p14="http://schemas.microsoft.com/office/powerpoint/2010/main" val="261653919"/>
+      </p:ext>
+    </p:extLst>
+  </p:cSld>
+  <p:clrMapOvr>
+    <a:masterClrMapping/>
+  </p:clrMapOvr>
+</p:sld>
+</file>
+
+<file path=ppt/slides/slide11.xml><?xml version="1.0" encoding="utf-8"?>
+<p:sld xmlns:a="http://schemas.openxmlformats.org/drawingml/2006/main" xmlns:r="http://schemas.openxmlformats.org/officeDocument/2006/relationships" xmlns:p="http://schemas.openxmlformats.org/presentationml/2006/main">
+  <p:cSld>
+    <p:spTree>
+      <p:nvGrpSpPr>
+        <p:cNvPr id="1" name=""/>
+        <p:cNvGrpSpPr/>
+        <p:nvPr/>
+      </p:nvGrpSpPr>
+      <p:grpSpPr>
+        <a:xfrm>
+          <a:off x="0" y="0"/>
+          <a:ext cx="0" cy="0"/>
+          <a:chOff x="0" y="0"/>
+          <a:chExt cx="0" cy="0"/>
+        </a:xfrm>
+      </p:grpSpPr>
+      <p:sp>
+        <p:nvSpPr>
+          <p:cNvPr id="2" name="标题 1">
+            <a:extLst>
+              <a:ext uri="{FF2B5EF4-FFF2-40B4-BE49-F238E27FC236}">
+                <a16:creationId xmlns:a16="http://schemas.microsoft.com/office/drawing/2014/main" id="{FFD7E520-385C-4F25-9368-13EC81F8AFD1}"/>
+              </a:ext>
+            </a:extLst>
+          </p:cNvPr>
+          <p:cNvSpPr>
+            <a:spLocks noGrp="1"/>
+          </p:cNvSpPr>
+          <p:nvPr>
+            <p:ph type="title"/>
+          </p:nvPr>
+        </p:nvSpPr>
+        <p:spPr>
+          <a:xfrm>
+            <a:off x="3971764" y="2766219"/>
+            <a:ext cx="4248472" cy="1325563"/>
+          </a:xfrm>
+        </p:spPr>
+        <p:txBody>
+          <a:bodyPr>
+            <a:normAutofit/>
+          </a:bodyPr>
+          <a:lstStyle/>
+          <a:p>
+            <a:r>
+              <a:rPr lang="en-US" altLang="zh-CN" sz="6000" dirty="0">
+                <a:solidFill>
+                  <a:schemeClr val="bg1"/>
+                </a:solidFill>
+                <a:latin typeface="微软雅黑" panose="020B0503020204020204" pitchFamily="34" charset="-122"/>
+                <a:ea typeface="微软雅黑" panose="020B0503020204020204" pitchFamily="34" charset="-122"/>
+              </a:rPr>
+              <a:t>5. </a:t>
+            </a:r>
+            <a:r>
+              <a:rPr lang="zh-CN" altLang="zh-CN" sz="6000" dirty="0">
+                <a:solidFill>
+                  <a:schemeClr val="bg1"/>
+                </a:solidFill>
+                <a:latin typeface="微软雅黑" panose="020B0503020204020204" pitchFamily="34" charset="-122"/>
+                <a:ea typeface="微软雅黑" panose="020B0503020204020204" pitchFamily="34" charset="-122"/>
+              </a:rPr>
+              <a:t>测试一下</a:t>
+            </a:r>
+          </a:p>
+        </p:txBody>
+      </p:sp>
+    </p:spTree>
+    <p:extLst>
+      <p:ext uri="{BB962C8B-B14F-4D97-AF65-F5344CB8AC3E}">
+        <p14:creationId xmlns:p14="http://schemas.microsoft.com/office/powerpoint/2010/main" val="2796436485"/>
+      </p:ext>
+    </p:extLst>
+  </p:cSld>
+  <p:clrMapOvr>
+    <a:masterClrMapping/>
+  </p:clrMapOvr>
+  <mc:AlternateContent xmlns:mc="http://schemas.openxmlformats.org/markup-compatibility/2006" xmlns:p14="http://schemas.microsoft.com/office/powerpoint/2010/main">
+    <mc:Choice Requires="p14">
+      <p:transition spd="med" p14:dur="700">
+        <p:fade/>
+      </p:transition>
+    </mc:Choice>
+    <mc:Fallback xmlns="">
+      <p:transition spd="med">
+        <p:fade/>
+      </p:transition>
+    </mc:Fallback>
+  </mc:AlternateContent>
+</p:sld>
+</file>
+
+<file path=ppt/slides/slide12.xml><?xml version="1.0" encoding="utf-8"?>
+<p:sld xmlns:a="http://schemas.openxmlformats.org/drawingml/2006/main" xmlns:r="http://schemas.openxmlformats.org/officeDocument/2006/relationships" xmlns:p="http://schemas.openxmlformats.org/presentationml/2006/main">
+  <p:cSld>
+    <p:spTree>
+      <p:nvGrpSpPr>
+        <p:cNvPr id="1" name=""/>
+        <p:cNvGrpSpPr/>
+        <p:nvPr/>
+      </p:nvGrpSpPr>
+      <p:grpSpPr>
+        <a:xfrm>
+          <a:off x="0" y="0"/>
+          <a:ext cx="0" cy="0"/>
+          <a:chOff x="0" y="0"/>
+          <a:chExt cx="0" cy="0"/>
+        </a:xfrm>
+      </p:grpSpPr>
+      <p:sp>
+        <p:nvSpPr>
+          <p:cNvPr id="3" name="内容占位符 2">
+            <a:extLst>
+              <a:ext uri="{FF2B5EF4-FFF2-40B4-BE49-F238E27FC236}">
+                <a16:creationId xmlns:a16="http://schemas.microsoft.com/office/drawing/2014/main" id="{E772FF58-21A8-4391-948A-841A363CF1AD}"/>
+              </a:ext>
+            </a:extLst>
+          </p:cNvPr>
+          <p:cNvSpPr>
+            <a:spLocks noGrp="1"/>
+          </p:cNvSpPr>
+          <p:nvPr>
+            <p:ph idx="1"/>
+          </p:nvPr>
+        </p:nvSpPr>
+        <p:spPr>
+          <a:xfrm>
+            <a:off x="838200" y="2915345"/>
+            <a:ext cx="10515600" cy="1027311"/>
+          </a:xfrm>
+        </p:spPr>
+        <p:txBody>
+          <a:bodyPr>
+            <a:normAutofit/>
+          </a:bodyPr>
+          <a:lstStyle/>
+          <a:p>
+            <a:pPr marL="0" indent="0">
+              <a:buNone/>
+            </a:pPr>
+            <a:r>
+              <a:rPr lang="zh-CN" altLang="en-US" sz="4800" dirty="0">
+                <a:solidFill>
+                  <a:schemeClr val="bg1"/>
+                </a:solidFill>
+                <a:latin typeface="微软雅黑" panose="020B0503020204020204" pitchFamily="34" charset="-122"/>
+                <a:ea typeface="微软雅黑" panose="020B0503020204020204" pitchFamily="34" charset="-122"/>
+              </a:rPr>
+              <a:t>使用</a:t>
+            </a:r>
+            <a:r>
+              <a:rPr lang="en-US" altLang="zh-CN" sz="4800" dirty="0">
+                <a:solidFill>
+                  <a:schemeClr val="bg1"/>
+                </a:solidFill>
+                <a:latin typeface="微软雅黑" panose="020B0503020204020204" pitchFamily="34" charset="-122"/>
+                <a:ea typeface="微软雅黑" panose="020B0503020204020204" pitchFamily="34" charset="-122"/>
+              </a:rPr>
+              <a:t>NumPy</a:t>
+            </a:r>
+            <a:r>
+              <a:rPr lang="zh-CN" altLang="en-US" sz="4800" dirty="0">
+                <a:solidFill>
+                  <a:schemeClr val="bg1"/>
+                </a:solidFill>
+                <a:latin typeface="微软雅黑" panose="020B0503020204020204" pitchFamily="34" charset="-122"/>
+                <a:ea typeface="微软雅黑" panose="020B0503020204020204" pitchFamily="34" charset="-122"/>
+              </a:rPr>
+              <a:t>打印一个</a:t>
+            </a:r>
+            <a:r>
+              <a:rPr lang="en-US" altLang="zh-CN" sz="4800" dirty="0">
+                <a:solidFill>
+                  <a:schemeClr val="bg1"/>
+                </a:solidFill>
+                <a:latin typeface="微软雅黑" panose="020B0503020204020204" pitchFamily="34" charset="-122"/>
+                <a:ea typeface="微软雅黑" panose="020B0503020204020204" pitchFamily="34" charset="-122"/>
+              </a:rPr>
+              <a:t>4×4</a:t>
+            </a:r>
+            <a:r>
+              <a:rPr lang="zh-CN" altLang="zh-CN" sz="4800" dirty="0">
+                <a:solidFill>
+                  <a:schemeClr val="bg1"/>
+                </a:solidFill>
+                <a:latin typeface="微软雅黑" panose="020B0503020204020204" pitchFamily="34" charset="-122"/>
+                <a:ea typeface="微软雅黑" panose="020B0503020204020204" pitchFamily="34" charset="-122"/>
+              </a:rPr>
+              <a:t>的全零矩阵</a:t>
+            </a:r>
+            <a:endParaRPr lang="zh-CN" altLang="en-US" sz="4800" dirty="0">
+              <a:solidFill>
+                <a:schemeClr val="bg1"/>
+              </a:solidFill>
+              <a:latin typeface="微软雅黑" panose="020B0503020204020204" pitchFamily="34" charset="-122"/>
+              <a:ea typeface="微软雅黑" panose="020B0503020204020204" pitchFamily="34" charset="-122"/>
+            </a:endParaRPr>
+          </a:p>
+        </p:txBody>
+      </p:sp>
+    </p:spTree>
+    <p:extLst>
+      <p:ext uri="{BB962C8B-B14F-4D97-AF65-F5344CB8AC3E}">
+        <p14:creationId xmlns:p14="http://schemas.microsoft.com/office/powerpoint/2010/main" val="202595302"/>
+      </p:ext>
+    </p:extLst>
+  </p:cSld>
+  <p:clrMapOvr>
+    <a:masterClrMapping/>
+  </p:clrMapOvr>
+</p:sld>
+</file>
+
+<file path=ppt/slides/slide13.xml><?xml version="1.0" encoding="utf-8"?>
+<p:sld xmlns:a="http://schemas.openxmlformats.org/drawingml/2006/main" xmlns:r="http://schemas.openxmlformats.org/officeDocument/2006/relationships" xmlns:p="http://schemas.openxmlformats.org/presentationml/2006/main">
+  <p:cSld>
+    <p:spTree>
+      <p:nvGrpSpPr>
+        <p:cNvPr id="1" name=""/>
+        <p:cNvGrpSpPr/>
+        <p:nvPr/>
+      </p:nvGrpSpPr>
+      <p:grpSpPr>
+        <a:xfrm>
+          <a:off x="0" y="0"/>
+          <a:ext cx="0" cy="0"/>
+          <a:chOff x="0" y="0"/>
+          <a:chExt cx="0" cy="0"/>
+        </a:xfrm>
+      </p:grpSpPr>
+      <p:sp>
+        <p:nvSpPr>
+          <p:cNvPr id="2" name="标题 1">
+            <a:extLst>
+              <a:ext uri="{FF2B5EF4-FFF2-40B4-BE49-F238E27FC236}">
+                <a16:creationId xmlns:a16="http://schemas.microsoft.com/office/drawing/2014/main" id="{BFEB4AE1-17E9-4B6B-88A6-E0A44E33050B}"/>
+              </a:ext>
+            </a:extLst>
+          </p:cNvPr>
+          <p:cNvSpPr>
+            <a:spLocks noGrp="1"/>
+          </p:cNvSpPr>
+          <p:nvPr>
+            <p:ph type="title"/>
+          </p:nvPr>
+        </p:nvSpPr>
+        <p:spPr>
+          <a:xfrm>
+            <a:off x="5231296" y="2766219"/>
+            <a:ext cx="1729408" cy="1325563"/>
+          </a:xfrm>
+        </p:spPr>
+        <p:txBody>
+          <a:bodyPr>
+            <a:normAutofit/>
+          </a:bodyPr>
+          <a:lstStyle/>
+          <a:p>
+            <a:r>
+              <a:rPr lang="zh-CN" altLang="en-US" sz="6000" dirty="0">
+                <a:solidFill>
+                  <a:schemeClr val="bg1"/>
+                </a:solidFill>
+                <a:latin typeface="微软雅黑" panose="020B0503020204020204" pitchFamily="34" charset="-122"/>
+                <a:ea typeface="微软雅黑" panose="020B0503020204020204" pitchFamily="34" charset="-122"/>
+              </a:rPr>
+              <a:t>结束</a:t>
+            </a:r>
+          </a:p>
+        </p:txBody>
+      </p:sp>
+    </p:spTree>
+    <p:extLst>
+      <p:ext uri="{BB962C8B-B14F-4D97-AF65-F5344CB8AC3E}">
+        <p14:creationId xmlns:p14="http://schemas.microsoft.com/office/powerpoint/2010/main" val="835881273"/>
+      </p:ext>
+    </p:extLst>
+  </p:cSld>
+  <p:clrMapOvr>
+    <a:masterClrMapping/>
+  </p:clrMapOvr>
+  <mc:AlternateContent xmlns:mc="http://schemas.openxmlformats.org/markup-compatibility/2006" xmlns:p14="http://schemas.microsoft.com/office/powerpoint/2010/main">
+    <mc:Choice Requires="p14">
+      <p:transition spd="med" p14:dur="700">
+        <p:fade/>
+      </p:transition>
+    </mc:Choice>
+    <mc:Fallback xmlns="">
       <p:transition spd="med">
         <p:fade/>
       </p:transition>
@@ -3508,7 +4007,7 @@
           <p:cNvPr id="3" name="内容占位符 2">
             <a:extLst>
               <a:ext uri="{FF2B5EF4-FFF2-40B4-BE49-F238E27FC236}">
-                <a16:creationId xmlns:a16="http://schemas.microsoft.com/office/drawing/2014/main" id="{BED7337E-5A04-4908-AE16-1D6E48C61C98}"/>
+                <a16:creationId xmlns:a16="http://schemas.microsoft.com/office/drawing/2014/main" id="{F3541DBF-F466-4697-8153-DFFE89D962F7}"/>
               </a:ext>
             </a:extLst>
           </p:cNvPr>
@@ -3521,19 +4020,22 @@
         </p:nvSpPr>
         <p:spPr>
           <a:xfrm>
-            <a:off x="953813" y="995308"/>
-            <a:ext cx="10515600" cy="4351338"/>
+            <a:off x="838200" y="1253331"/>
+            <a:ext cx="6121896" cy="4351338"/>
           </a:xfrm>
         </p:spPr>
         <p:txBody>
-          <a:bodyPr/>
-          <a:lstStyle/>
-          <a:p>
-            <a:pPr marL="0" indent="0">
-              <a:buNone/>
+          <a:bodyPr>
+            <a:normAutofit fontScale="92500" lnSpcReduction="20000"/>
+          </a:bodyPr>
+          <a:lstStyle/>
+          <a:p>
+            <a:pPr marL="742950" indent="-742950">
+              <a:buFont typeface="+mj-lt"/>
+              <a:buAutoNum type="arabicPeriod"/>
             </a:pPr>
             <a:r>
-              <a:rPr lang="en-US" altLang="zh-CN" dirty="0">
+              <a:rPr lang="en-US" altLang="zh-CN" sz="3600" dirty="0">
                 <a:solidFill>
                   <a:schemeClr val="bg1"/>
                 </a:solidFill>
@@ -3543,56 +4045,36 @@
               <a:t>Python</a:t>
             </a:r>
             <a:r>
-              <a:rPr lang="zh-CN" altLang="zh-CN" dirty="0">
-                <a:solidFill>
-                  <a:schemeClr val="bg1"/>
-                </a:solidFill>
-                <a:latin typeface="微软雅黑" panose="020B0503020204020204" pitchFamily="34" charset="-122"/>
-                <a:ea typeface="微软雅黑" panose="020B0503020204020204" pitchFamily="34" charset="-122"/>
-              </a:rPr>
-              <a:t>语言是机器学习的基础，所以，想要入门机器学习，配置好</a:t>
-            </a:r>
-            <a:r>
-              <a:rPr lang="en-US" altLang="zh-CN" dirty="0">
-                <a:solidFill>
-                  <a:schemeClr val="bg1"/>
-                </a:solidFill>
-                <a:latin typeface="微软雅黑" panose="020B0503020204020204" pitchFamily="34" charset="-122"/>
-                <a:ea typeface="微软雅黑" panose="020B0503020204020204" pitchFamily="34" charset="-122"/>
-              </a:rPr>
-              <a:t>Python</a:t>
-            </a:r>
-            <a:r>
-              <a:rPr lang="zh-CN" altLang="zh-CN" dirty="0">
-                <a:solidFill>
-                  <a:schemeClr val="bg1"/>
-                </a:solidFill>
-                <a:latin typeface="微软雅黑" panose="020B0503020204020204" pitchFamily="34" charset="-122"/>
-                <a:ea typeface="微软雅黑" panose="020B0503020204020204" pitchFamily="34" charset="-122"/>
-              </a:rPr>
-              <a:t>的开发环境是第一步，本文就手把手的教你配置好基于</a:t>
-            </a:r>
-            <a:r>
-              <a:rPr lang="en-US" altLang="zh-CN" dirty="0">
-                <a:solidFill>
-                  <a:schemeClr val="bg1"/>
-                </a:solidFill>
-                <a:latin typeface="微软雅黑" panose="020B0503020204020204" pitchFamily="34" charset="-122"/>
-                <a:ea typeface="微软雅黑" panose="020B0503020204020204" pitchFamily="34" charset="-122"/>
-              </a:rPr>
-              <a:t>Python</a:t>
-            </a:r>
-            <a:r>
-              <a:rPr lang="zh-CN" altLang="zh-CN" dirty="0">
-                <a:solidFill>
-                  <a:schemeClr val="bg1"/>
-                </a:solidFill>
-                <a:latin typeface="微软雅黑" panose="020B0503020204020204" pitchFamily="34" charset="-122"/>
-                <a:ea typeface="微软雅黑" panose="020B0503020204020204" pitchFamily="34" charset="-122"/>
-              </a:rPr>
-              <a:t>的机器学习开发环境。</a:t>
-            </a:r>
-            <a:endParaRPr lang="en-US" altLang="zh-CN" dirty="0">
+              <a:rPr lang="zh-CN" altLang="en-US" sz="3600" dirty="0">
+                <a:solidFill>
+                  <a:schemeClr val="bg1"/>
+                </a:solidFill>
+                <a:latin typeface="微软雅黑" panose="020B0503020204020204" pitchFamily="34" charset="-122"/>
+                <a:ea typeface="微软雅黑" panose="020B0503020204020204" pitchFamily="34" charset="-122"/>
+              </a:rPr>
+              <a:t>与</a:t>
+            </a:r>
+            <a:r>
+              <a:rPr lang="en-US" altLang="zh-CN" sz="3600" dirty="0">
+                <a:solidFill>
+                  <a:schemeClr val="bg1"/>
+                </a:solidFill>
+                <a:latin typeface="微软雅黑" panose="020B0503020204020204" pitchFamily="34" charset="-122"/>
+                <a:ea typeface="微软雅黑" panose="020B0503020204020204" pitchFamily="34" charset="-122"/>
+              </a:rPr>
+              <a:t>NumPy</a:t>
+            </a:r>
+            <a:r>
+              <a:rPr lang="zh-CN" altLang="en-US" sz="3600" dirty="0">
+                <a:solidFill>
+                  <a:schemeClr val="bg1"/>
+                </a:solidFill>
+                <a:latin typeface="微软雅黑" panose="020B0503020204020204" pitchFamily="34" charset="-122"/>
+                <a:ea typeface="微软雅黑" panose="020B0503020204020204" pitchFamily="34" charset="-122"/>
+              </a:rPr>
+              <a:t>简介</a:t>
+            </a:r>
+            <a:endParaRPr lang="en-US" altLang="zh-CN" sz="3600" dirty="0">
               <a:solidFill>
                 <a:schemeClr val="bg1"/>
               </a:solidFill>
@@ -3601,10 +4083,11 @@
             </a:endParaRPr>
           </a:p>
           <a:p>
-            <a:pPr marL="0" indent="0">
-              <a:buNone/>
+            <a:pPr marL="742950" indent="-742950">
+              <a:buFont typeface="+mj-lt"/>
+              <a:buAutoNum type="arabicPeriod"/>
             </a:pPr>
-            <a:endParaRPr lang="en-US" altLang="zh-CN" dirty="0">
+            <a:endParaRPr lang="zh-CN" altLang="zh-CN" sz="3600" dirty="0">
               <a:solidFill>
                 <a:schemeClr val="bg1"/>
               </a:solidFill>
@@ -3613,31 +4096,12 @@
             </a:endParaRPr>
           </a:p>
           <a:p>
-            <a:pPr marL="0" indent="0">
-              <a:buNone/>
+            <a:pPr marL="742950" indent="-742950">
+              <a:buFont typeface="+mj-lt"/>
+              <a:buAutoNum type="arabicPeriod"/>
             </a:pPr>
             <a:r>
-              <a:rPr lang="zh-CN" altLang="en-US" dirty="0">
-                <a:solidFill>
-                  <a:schemeClr val="bg1"/>
-                </a:solidFill>
-                <a:latin typeface="微软雅黑" panose="020B0503020204020204" pitchFamily="34" charset="-122"/>
-                <a:ea typeface="微软雅黑" panose="020B0503020204020204" pitchFamily="34" charset="-122"/>
-              </a:rPr>
-              <a:t>第一步：</a:t>
-            </a:r>
-            <a:r>
-              <a:rPr lang="zh-CN" altLang="zh-CN" dirty="0">
-                <a:solidFill>
-                  <a:schemeClr val="bg1"/>
-                </a:solidFill>
-                <a:latin typeface="微软雅黑" panose="020B0503020204020204" pitchFamily="34" charset="-122"/>
-                <a:ea typeface="微软雅黑" panose="020B0503020204020204" pitchFamily="34" charset="-122"/>
-              </a:rPr>
-              <a:t>下载</a:t>
-            </a:r>
-            <a:r>
-              <a:rPr lang="en-US" altLang="zh-CN" dirty="0">
+              <a:rPr lang="en-US" altLang="zh-CN" sz="3600" dirty="0">
                 <a:solidFill>
                   <a:schemeClr val="bg1"/>
                 </a:solidFill>
@@ -3646,7 +4110,17 @@
               </a:rPr>
               <a:t>Python</a:t>
             </a:r>
-            <a:endParaRPr lang="zh-CN" altLang="zh-CN" dirty="0">
+            <a:r>
+              <a:rPr lang="zh-CN" altLang="en-US" sz="3600" dirty="0">
+                <a:solidFill>
+                  <a:schemeClr val="bg1"/>
+                </a:solidFill>
+                <a:latin typeface="微软雅黑" panose="020B0503020204020204" pitchFamily="34" charset="-122"/>
+                <a:ea typeface="微软雅黑" panose="020B0503020204020204" pitchFamily="34" charset="-122"/>
+              </a:rPr>
+              <a:t>的下载与安装</a:t>
+            </a:r>
+            <a:endParaRPr lang="en-US" altLang="zh-CN" sz="3600" dirty="0">
               <a:solidFill>
                 <a:schemeClr val="bg1"/>
               </a:solidFill>
@@ -3655,40 +4129,11 @@
             </a:endParaRPr>
           </a:p>
           <a:p>
-            <a:pPr marL="0" indent="0">
-              <a:buNone/>
+            <a:pPr marL="742950" indent="-742950">
+              <a:buFont typeface="+mj-lt"/>
+              <a:buAutoNum type="arabicPeriod"/>
             </a:pPr>
-            <a:r>
-              <a:rPr lang="zh-CN" altLang="en-US" dirty="0">
-                <a:solidFill>
-                  <a:schemeClr val="bg1"/>
-                </a:solidFill>
-                <a:latin typeface="微软雅黑" panose="020B0503020204020204" pitchFamily="34" charset="-122"/>
-                <a:ea typeface="微软雅黑" panose="020B0503020204020204" pitchFamily="34" charset="-122"/>
-              </a:rPr>
-              <a:t>第二步：</a:t>
-            </a:r>
-            <a:r>
-              <a:rPr lang="zh-CN" altLang="zh-CN" dirty="0">
-                <a:solidFill>
-                  <a:schemeClr val="bg1"/>
-                </a:solidFill>
-                <a:latin typeface="微软雅黑" panose="020B0503020204020204" pitchFamily="34" charset="-122"/>
-                <a:ea typeface="微软雅黑" panose="020B0503020204020204" pitchFamily="34" charset="-122"/>
-              </a:rPr>
-              <a:t>安装</a:t>
-            </a:r>
-            <a:r>
-              <a:rPr lang="en-US" altLang="zh-CN" dirty="0">
-                <a:solidFill>
-                  <a:schemeClr val="bg1"/>
-                </a:solidFill>
-                <a:latin typeface="微软雅黑" panose="020B0503020204020204" pitchFamily="34" charset="-122"/>
-                <a:ea typeface="微软雅黑" panose="020B0503020204020204" pitchFamily="34" charset="-122"/>
-              </a:rPr>
-              <a:t>Python</a:t>
-            </a:r>
-            <a:endParaRPr lang="zh-CN" altLang="zh-CN" dirty="0">
+            <a:endParaRPr lang="zh-CN" altLang="zh-CN" sz="3600" dirty="0">
               <a:solidFill>
                 <a:schemeClr val="bg1"/>
               </a:solidFill>
@@ -3697,31 +4142,22 @@
             </a:endParaRPr>
           </a:p>
           <a:p>
-            <a:pPr marL="0" indent="0">
-              <a:buNone/>
+            <a:pPr marL="742950" indent="-742950">
+              <a:buFont typeface="+mj-lt"/>
+              <a:buAutoNum type="arabicPeriod"/>
             </a:pPr>
             <a:r>
-              <a:rPr lang="zh-CN" altLang="en-US" dirty="0">
-                <a:solidFill>
-                  <a:schemeClr val="bg1"/>
-                </a:solidFill>
-                <a:latin typeface="微软雅黑" panose="020B0503020204020204" pitchFamily="34" charset="-122"/>
-                <a:ea typeface="微软雅黑" panose="020B0503020204020204" pitchFamily="34" charset="-122"/>
-              </a:rPr>
-              <a:t>第三步：</a:t>
-            </a:r>
-            <a:r>
-              <a:rPr lang="zh-CN" altLang="zh-CN" dirty="0">
-                <a:solidFill>
-                  <a:schemeClr val="bg1"/>
-                </a:solidFill>
-                <a:latin typeface="微软雅黑" panose="020B0503020204020204" pitchFamily="34" charset="-122"/>
-                <a:ea typeface="微软雅黑" panose="020B0503020204020204" pitchFamily="34" charset="-122"/>
-              </a:rPr>
-              <a:t>测试下</a:t>
-            </a:r>
-            <a:r>
-              <a:rPr lang="en-US" altLang="zh-CN" dirty="0">
+              <a:rPr lang="zh-CN" altLang="en-US" sz="3600" dirty="0">
+                <a:solidFill>
+                  <a:schemeClr val="bg1"/>
+                </a:solidFill>
+                <a:latin typeface="微软雅黑" panose="020B0503020204020204" pitchFamily="34" charset="-122"/>
+                <a:ea typeface="微软雅黑" panose="020B0503020204020204" pitchFamily="34" charset="-122"/>
+              </a:rPr>
+              <a:t>第一个</a:t>
+            </a:r>
+            <a:r>
+              <a:rPr lang="en-US" altLang="zh-CN" sz="3600" dirty="0">
                 <a:solidFill>
                   <a:schemeClr val="bg1"/>
                 </a:solidFill>
@@ -3731,7 +4167,53 @@
               <a:t>Python</a:t>
             </a:r>
             <a:r>
-              <a:rPr lang="zh-CN" altLang="zh-CN" dirty="0">
+              <a:rPr lang="zh-CN" altLang="en-US" sz="3600" dirty="0">
+                <a:solidFill>
+                  <a:schemeClr val="bg1"/>
+                </a:solidFill>
+                <a:latin typeface="微软雅黑" panose="020B0503020204020204" pitchFamily="34" charset="-122"/>
+                <a:ea typeface="微软雅黑" panose="020B0503020204020204" pitchFamily="34" charset="-122"/>
+              </a:rPr>
+              <a:t>程序</a:t>
+            </a:r>
+            <a:endParaRPr lang="en-US" altLang="zh-CN" sz="3600" dirty="0">
+              <a:solidFill>
+                <a:schemeClr val="bg1"/>
+              </a:solidFill>
+              <a:latin typeface="微软雅黑" panose="020B0503020204020204" pitchFamily="34" charset="-122"/>
+              <a:ea typeface="微软雅黑" panose="020B0503020204020204" pitchFamily="34" charset="-122"/>
+            </a:endParaRPr>
+          </a:p>
+          <a:p>
+            <a:pPr marL="742950" indent="-742950">
+              <a:buFont typeface="+mj-lt"/>
+              <a:buAutoNum type="arabicPeriod"/>
+            </a:pPr>
+            <a:endParaRPr lang="zh-CN" altLang="zh-CN" sz="3600" dirty="0">
+              <a:solidFill>
+                <a:schemeClr val="bg1"/>
+              </a:solidFill>
+              <a:latin typeface="微软雅黑" panose="020B0503020204020204" pitchFamily="34" charset="-122"/>
+              <a:ea typeface="微软雅黑" panose="020B0503020204020204" pitchFamily="34" charset="-122"/>
+            </a:endParaRPr>
+          </a:p>
+          <a:p>
+            <a:pPr marL="742950" indent="-742950">
+              <a:buFont typeface="+mj-lt"/>
+              <a:buAutoNum type="arabicPeriod"/>
+            </a:pPr>
+            <a:r>
+              <a:rPr lang="en-US" altLang="zh-CN" sz="3600" dirty="0">
+                <a:solidFill>
+                  <a:schemeClr val="bg1"/>
+                </a:solidFill>
+                <a:latin typeface="微软雅黑" panose="020B0503020204020204" pitchFamily="34" charset="-122"/>
+                <a:ea typeface="微软雅黑" panose="020B0503020204020204" pitchFamily="34" charset="-122"/>
+              </a:rPr>
+              <a:t>NumPy</a:t>
+            </a:r>
+            <a:r>
+              <a:rPr lang="zh-CN" altLang="en-US" sz="3600" dirty="0">
                 <a:solidFill>
                   <a:schemeClr val="bg1"/>
                 </a:solidFill>
@@ -3740,68 +4222,34 @@
               </a:rPr>
               <a:t>的安装</a:t>
             </a:r>
-          </a:p>
-          <a:p>
-            <a:pPr marL="0" indent="0">
-              <a:buNone/>
+            <a:endParaRPr lang="en-US" altLang="zh-CN" sz="3600" dirty="0">
+              <a:solidFill>
+                <a:schemeClr val="bg1"/>
+              </a:solidFill>
+              <a:latin typeface="微软雅黑" panose="020B0503020204020204" pitchFamily="34" charset="-122"/>
+              <a:ea typeface="微软雅黑" panose="020B0503020204020204" pitchFamily="34" charset="-122"/>
+            </a:endParaRPr>
+          </a:p>
+          <a:p>
+            <a:pPr marL="742950" indent="-742950">
+              <a:buFont typeface="+mj-lt"/>
+              <a:buAutoNum type="arabicPeriod"/>
             </a:pPr>
-            <a:r>
-              <a:rPr lang="zh-CN" altLang="en-US" dirty="0">
-                <a:solidFill>
-                  <a:schemeClr val="bg1"/>
-                </a:solidFill>
-                <a:latin typeface="微软雅黑" panose="020B0503020204020204" pitchFamily="34" charset="-122"/>
-                <a:ea typeface="微软雅黑" panose="020B0503020204020204" pitchFamily="34" charset="-122"/>
-              </a:rPr>
-              <a:t>第四步：</a:t>
-            </a:r>
-            <a:r>
-              <a:rPr lang="zh-CN" altLang="zh-CN" dirty="0">
-                <a:solidFill>
-                  <a:schemeClr val="bg1"/>
-                </a:solidFill>
-                <a:latin typeface="微软雅黑" panose="020B0503020204020204" pitchFamily="34" charset="-122"/>
-                <a:ea typeface="微软雅黑" panose="020B0503020204020204" pitchFamily="34" charset="-122"/>
-              </a:rPr>
-              <a:t>安装</a:t>
-            </a:r>
-            <a:r>
-              <a:rPr lang="en-US" altLang="zh-CN" dirty="0">
-                <a:solidFill>
-                  <a:schemeClr val="bg1"/>
-                </a:solidFill>
-                <a:latin typeface="微软雅黑" panose="020B0503020204020204" pitchFamily="34" charset="-122"/>
-                <a:ea typeface="微软雅黑" panose="020B0503020204020204" pitchFamily="34" charset="-122"/>
-              </a:rPr>
-              <a:t>NumPy</a:t>
-            </a:r>
-            <a:r>
-              <a:rPr lang="zh-CN" altLang="zh-CN" dirty="0">
-                <a:solidFill>
-                  <a:schemeClr val="bg1"/>
-                </a:solidFill>
-                <a:latin typeface="微软雅黑" panose="020B0503020204020204" pitchFamily="34" charset="-122"/>
-                <a:ea typeface="微软雅黑" panose="020B0503020204020204" pitchFamily="34" charset="-122"/>
-              </a:rPr>
-              <a:t>库</a:t>
-            </a:r>
-          </a:p>
-          <a:p>
-            <a:pPr marL="0" indent="0">
-              <a:buNone/>
+            <a:endParaRPr lang="zh-CN" altLang="zh-CN" sz="3600" dirty="0">
+              <a:solidFill>
+                <a:schemeClr val="bg1"/>
+              </a:solidFill>
+              <a:latin typeface="微软雅黑" panose="020B0503020204020204" pitchFamily="34" charset="-122"/>
+              <a:ea typeface="微软雅黑" panose="020B0503020204020204" pitchFamily="34" charset="-122"/>
+            </a:endParaRPr>
+          </a:p>
+          <a:p>
+            <a:pPr marL="742950" indent="-742950">
+              <a:buFont typeface="+mj-lt"/>
+              <a:buAutoNum type="arabicPeriod"/>
             </a:pPr>
             <a:r>
-              <a:rPr lang="zh-CN" altLang="en-US" dirty="0">
-                <a:solidFill>
-                  <a:schemeClr val="bg1"/>
-                </a:solidFill>
-                <a:latin typeface="微软雅黑" panose="020B0503020204020204" pitchFamily="34" charset="-122"/>
-                <a:ea typeface="微软雅黑" panose="020B0503020204020204" pitchFamily="34" charset="-122"/>
-              </a:rPr>
-              <a:t>第五步：</a:t>
-            </a:r>
-            <a:r>
-              <a:rPr lang="zh-CN" altLang="zh-CN" dirty="0">
+              <a:rPr lang="zh-CN" altLang="zh-CN" sz="3600" dirty="0">
                 <a:solidFill>
                   <a:schemeClr val="bg1"/>
                 </a:solidFill>
@@ -3816,25 +4264,13 @@
     </p:spTree>
     <p:extLst>
       <p:ext uri="{BB962C8B-B14F-4D97-AF65-F5344CB8AC3E}">
-        <p14:creationId xmlns:p14="http://schemas.microsoft.com/office/powerpoint/2010/main" val="780095118"/>
+        <p14:creationId xmlns:p14="http://schemas.microsoft.com/office/powerpoint/2010/main" val="2673388507"/>
       </p:ext>
     </p:extLst>
   </p:cSld>
   <p:clrMapOvr>
     <a:masterClrMapping/>
   </p:clrMapOvr>
-  <mc:AlternateContent xmlns:mc="http://schemas.openxmlformats.org/markup-compatibility/2006">
-    <mc:Choice xmlns:p14="http://schemas.microsoft.com/office/powerpoint/2010/main" Requires="p14">
-      <p:transition spd="med" p14:dur="700">
-        <p:fade/>
-      </p:transition>
-    </mc:Choice>
-    <mc:Fallback>
-      <p:transition spd="med">
-        <p:fade/>
-      </p:transition>
-    </mc:Fallback>
-  </mc:AlternateContent>
   <p:timing>
     <p:tnLst>
       <p:par>
@@ -3871,7 +4307,7 @@
                                         <p:tgtEl>
                                           <p:spTgt spid="3">
                                             <p:txEl>
-                                              <p:pRg st="2" end="2"/>
+                                              <p:pRg st="0" end="0"/>
                                             </p:txEl>
                                           </p:spTgt>
                                         </p:tgtEl>
@@ -3889,7 +4325,7 @@
                                         <p:tgtEl>
                                           <p:spTgt spid="3">
                                             <p:txEl>
-                                              <p:pRg st="2" end="2"/>
+                                              <p:pRg st="0" end="0"/>
                                             </p:txEl>
                                           </p:spTgt>
                                         </p:tgtEl>
@@ -3932,7 +4368,7 @@
                                         <p:tgtEl>
                                           <p:spTgt spid="3">
                                             <p:txEl>
-                                              <p:pRg st="3" end="3"/>
+                                              <p:pRg st="2" end="2"/>
                                             </p:txEl>
                                           </p:spTgt>
                                         </p:tgtEl>
@@ -3950,7 +4386,7 @@
                                         <p:tgtEl>
                                           <p:spTgt spid="3">
                                             <p:txEl>
-                                              <p:pRg st="3" end="3"/>
+                                              <p:pRg st="2" end="2"/>
                                             </p:txEl>
                                           </p:spTgt>
                                         </p:tgtEl>
@@ -4054,7 +4490,7 @@
                                         <p:tgtEl>
                                           <p:spTgt spid="3">
                                             <p:txEl>
-                                              <p:pRg st="5" end="5"/>
+                                              <p:pRg st="6" end="6"/>
                                             </p:txEl>
                                           </p:spTgt>
                                         </p:tgtEl>
@@ -4072,7 +4508,7 @@
                                         <p:tgtEl>
                                           <p:spTgt spid="3">
                                             <p:txEl>
-                                              <p:pRg st="5" end="5"/>
+                                              <p:pRg st="6" end="6"/>
                                             </p:txEl>
                                           </p:spTgt>
                                         </p:tgtEl>
@@ -4115,7 +4551,7 @@
                                         <p:tgtEl>
                                           <p:spTgt spid="3">
                                             <p:txEl>
-                                              <p:pRg st="6" end="6"/>
+                                              <p:pRg st="8" end="8"/>
                                             </p:txEl>
                                           </p:spTgt>
                                         </p:tgtEl>
@@ -4133,7 +4569,7 @@
                                         <p:tgtEl>
                                           <p:spTgt spid="3">
                                             <p:txEl>
-                                              <p:pRg st="6" end="6"/>
+                                              <p:pRg st="8" end="8"/>
                                             </p:txEl>
                                           </p:spTgt>
                                         </p:tgtEl>
@@ -4208,8 +4644,8 @@
         </p:nvSpPr>
         <p:spPr>
           <a:xfrm>
-            <a:off x="2220191" y="2766219"/>
-            <a:ext cx="7751618" cy="1325563"/>
+            <a:off x="1019436" y="2766219"/>
+            <a:ext cx="10153128" cy="1325563"/>
           </a:xfrm>
         </p:spPr>
         <p:txBody>
@@ -4220,6 +4656,16 @@
           <a:p>
             <a:pPr algn="ctr"/>
             <a:r>
+              <a:rPr lang="en-US" altLang="zh-CN" sz="6000" dirty="0">
+                <a:solidFill>
+                  <a:schemeClr val="bg1"/>
+                </a:solidFill>
+                <a:latin typeface="微软雅黑" panose="020B0503020204020204" pitchFamily="34" charset="-122"/>
+                <a:ea typeface="微软雅黑" panose="020B0503020204020204" pitchFamily="34" charset="-122"/>
+              </a:rPr>
+              <a:t>1. Python</a:t>
+            </a:r>
+            <a:r>
               <a:rPr lang="zh-CN" altLang="en-US" sz="6000" dirty="0">
                 <a:solidFill>
                   <a:schemeClr val="bg1"/>
@@ -4227,7 +4673,7 @@
                 <a:latin typeface="微软雅黑" panose="020B0503020204020204" pitchFamily="34" charset="-122"/>
                 <a:ea typeface="微软雅黑" panose="020B0503020204020204" pitchFamily="34" charset="-122"/>
               </a:rPr>
-              <a:t>第一步：下载</a:t>
+              <a:t>与</a:t>
             </a:r>
             <a:r>
               <a:rPr lang="en-US" altLang="zh-CN" sz="6000" dirty="0">
@@ -4237,35 +4683,38 @@
                 <a:latin typeface="微软雅黑" panose="020B0503020204020204" pitchFamily="34" charset="-122"/>
                 <a:ea typeface="微软雅黑" panose="020B0503020204020204" pitchFamily="34" charset="-122"/>
               </a:rPr>
-              <a:t>Python</a:t>
-            </a:r>
-            <a:endParaRPr lang="zh-CN" altLang="en-US" sz="6000" dirty="0">
-              <a:solidFill>
-                <a:schemeClr val="bg1"/>
-              </a:solidFill>
-              <a:latin typeface="微软雅黑" panose="020B0503020204020204" pitchFamily="34" charset="-122"/>
-              <a:ea typeface="微软雅黑" panose="020B0503020204020204" pitchFamily="34" charset="-122"/>
-            </a:endParaRPr>
+              <a:t>NumPy</a:t>
+            </a:r>
+            <a:r>
+              <a:rPr lang="zh-CN" altLang="en-US" sz="6000" dirty="0">
+                <a:solidFill>
+                  <a:schemeClr val="bg1"/>
+                </a:solidFill>
+                <a:latin typeface="微软雅黑" panose="020B0503020204020204" pitchFamily="34" charset="-122"/>
+                <a:ea typeface="微软雅黑" panose="020B0503020204020204" pitchFamily="34" charset="-122"/>
+              </a:rPr>
+              <a:t>简介</a:t>
+            </a:r>
           </a:p>
         </p:txBody>
       </p:sp>
     </p:spTree>
     <p:extLst>
       <p:ext uri="{BB962C8B-B14F-4D97-AF65-F5344CB8AC3E}">
-        <p14:creationId xmlns:p14="http://schemas.microsoft.com/office/powerpoint/2010/main" val="3548627698"/>
+        <p14:creationId xmlns:p14="http://schemas.microsoft.com/office/powerpoint/2010/main" val="2428968753"/>
       </p:ext>
     </p:extLst>
   </p:cSld>
   <p:clrMapOvr>
     <a:masterClrMapping/>
   </p:clrMapOvr>
-  <mc:AlternateContent xmlns:mc="http://schemas.openxmlformats.org/markup-compatibility/2006">
-    <mc:Choice xmlns:p14="http://schemas.microsoft.com/office/powerpoint/2010/main" Requires="p14">
+  <mc:AlternateContent xmlns:mc="http://schemas.openxmlformats.org/markup-compatibility/2006" xmlns:p14="http://schemas.microsoft.com/office/powerpoint/2010/main">
+    <mc:Choice Requires="p14">
       <p:transition spd="med" p14:dur="700">
         <p:fade/>
       </p:transition>
     </mc:Choice>
-    <mc:Fallback>
+    <mc:Fallback xmlns="">
       <p:transition spd="med">
         <p:fade/>
       </p:transition>
@@ -4293,6 +4742,474 @@
       </p:grpSpPr>
       <p:sp>
         <p:nvSpPr>
+          <p:cNvPr id="3" name="内容占位符 2">
+            <a:extLst>
+              <a:ext uri="{FF2B5EF4-FFF2-40B4-BE49-F238E27FC236}">
+                <a16:creationId xmlns:a16="http://schemas.microsoft.com/office/drawing/2014/main" id="{FB1B4F90-D45A-489F-BF15-A1A085E9CB53}"/>
+              </a:ext>
+            </a:extLst>
+          </p:cNvPr>
+          <p:cNvSpPr>
+            <a:spLocks noGrp="1"/>
+          </p:cNvSpPr>
+          <p:nvPr>
+            <p:ph idx="1"/>
+          </p:nvPr>
+        </p:nvSpPr>
+        <p:spPr>
+          <a:xfrm>
+            <a:off x="838200" y="764704"/>
+            <a:ext cx="10515600" cy="5400600"/>
+          </a:xfrm>
+        </p:spPr>
+        <p:txBody>
+          <a:bodyPr>
+            <a:normAutofit/>
+          </a:bodyPr>
+          <a:lstStyle/>
+          <a:p>
+            <a:r>
+              <a:rPr lang="en-US" altLang="zh-CN" sz="3600" dirty="0">
+                <a:solidFill>
+                  <a:schemeClr val="bg1"/>
+                </a:solidFill>
+                <a:latin typeface="微软雅黑" panose="020B0503020204020204" pitchFamily="34" charset="-122"/>
+                <a:ea typeface="微软雅黑" panose="020B0503020204020204" pitchFamily="34" charset="-122"/>
+              </a:rPr>
+              <a:t>Python</a:t>
+            </a:r>
+            <a:r>
+              <a:rPr lang="zh-CN" altLang="en-US" sz="3600" dirty="0">
+                <a:solidFill>
+                  <a:schemeClr val="bg1"/>
+                </a:solidFill>
+                <a:latin typeface="微软雅黑" panose="020B0503020204020204" pitchFamily="34" charset="-122"/>
+                <a:ea typeface="微软雅黑" panose="020B0503020204020204" pitchFamily="34" charset="-122"/>
+              </a:rPr>
+              <a:t>简介</a:t>
+            </a:r>
+            <a:endParaRPr lang="en-US" altLang="zh-CN" sz="3600" dirty="0">
+              <a:solidFill>
+                <a:schemeClr val="bg1"/>
+              </a:solidFill>
+              <a:latin typeface="微软雅黑" panose="020B0503020204020204" pitchFamily="34" charset="-122"/>
+              <a:ea typeface="微软雅黑" panose="020B0503020204020204" pitchFamily="34" charset="-122"/>
+            </a:endParaRPr>
+          </a:p>
+          <a:p>
+            <a:pPr marL="457200" lvl="1" indent="0">
+              <a:buNone/>
+            </a:pPr>
+            <a:r>
+              <a:rPr lang="en-US" altLang="zh-CN" sz="3200" dirty="0">
+                <a:solidFill>
+                  <a:schemeClr val="bg1"/>
+                </a:solidFill>
+                <a:latin typeface="微软雅黑" panose="020B0503020204020204" pitchFamily="34" charset="-122"/>
+                <a:ea typeface="微软雅黑" panose="020B0503020204020204" pitchFamily="34" charset="-122"/>
+              </a:rPr>
+              <a:t>Python</a:t>
+            </a:r>
+            <a:r>
+              <a:rPr lang="zh-CN" altLang="en-US" sz="3200" dirty="0">
+                <a:solidFill>
+                  <a:schemeClr val="bg1"/>
+                </a:solidFill>
+                <a:latin typeface="微软雅黑" panose="020B0503020204020204" pitchFamily="34" charset="-122"/>
+                <a:ea typeface="微软雅黑" panose="020B0503020204020204" pitchFamily="34" charset="-122"/>
+              </a:rPr>
+              <a:t>是一门编程语言，特点是免费、简单、跨平台以及开发效率高等。是目前机器学习领域中最常用的编程语言。</a:t>
+            </a:r>
+            <a:endParaRPr lang="en-US" altLang="zh-CN" sz="3200" dirty="0">
+              <a:solidFill>
+                <a:schemeClr val="bg1"/>
+              </a:solidFill>
+              <a:latin typeface="微软雅黑" panose="020B0503020204020204" pitchFamily="34" charset="-122"/>
+              <a:ea typeface="微软雅黑" panose="020B0503020204020204" pitchFamily="34" charset="-122"/>
+            </a:endParaRPr>
+          </a:p>
+          <a:p>
+            <a:pPr lvl="1"/>
+            <a:endParaRPr lang="en-US" altLang="zh-CN" sz="3200" dirty="0">
+              <a:solidFill>
+                <a:schemeClr val="bg1"/>
+              </a:solidFill>
+              <a:latin typeface="微软雅黑" panose="020B0503020204020204" pitchFamily="34" charset="-122"/>
+              <a:ea typeface="微软雅黑" panose="020B0503020204020204" pitchFamily="34" charset="-122"/>
+            </a:endParaRPr>
+          </a:p>
+          <a:p>
+            <a:pPr lvl="1"/>
+            <a:endParaRPr lang="en-US" altLang="zh-CN" sz="3200" dirty="0">
+              <a:solidFill>
+                <a:schemeClr val="bg1"/>
+              </a:solidFill>
+              <a:latin typeface="微软雅黑" panose="020B0503020204020204" pitchFamily="34" charset="-122"/>
+              <a:ea typeface="微软雅黑" panose="020B0503020204020204" pitchFamily="34" charset="-122"/>
+            </a:endParaRPr>
+          </a:p>
+          <a:p>
+            <a:r>
+              <a:rPr lang="en-US" altLang="zh-CN" sz="3600" dirty="0">
+                <a:solidFill>
+                  <a:schemeClr val="bg1"/>
+                </a:solidFill>
+                <a:latin typeface="微软雅黑" panose="020B0503020204020204" pitchFamily="34" charset="-122"/>
+                <a:ea typeface="微软雅黑" panose="020B0503020204020204" pitchFamily="34" charset="-122"/>
+              </a:rPr>
+              <a:t>NumPy</a:t>
+            </a:r>
+            <a:r>
+              <a:rPr lang="zh-CN" altLang="en-US" sz="3600" dirty="0">
+                <a:solidFill>
+                  <a:schemeClr val="bg1"/>
+                </a:solidFill>
+                <a:latin typeface="微软雅黑" panose="020B0503020204020204" pitchFamily="34" charset="-122"/>
+                <a:ea typeface="微软雅黑" panose="020B0503020204020204" pitchFamily="34" charset="-122"/>
+              </a:rPr>
+              <a:t>简介</a:t>
+            </a:r>
+            <a:endParaRPr lang="en-US" altLang="zh-CN" sz="3600" dirty="0">
+              <a:solidFill>
+                <a:schemeClr val="bg1"/>
+              </a:solidFill>
+              <a:latin typeface="微软雅黑" panose="020B0503020204020204" pitchFamily="34" charset="-122"/>
+              <a:ea typeface="微软雅黑" panose="020B0503020204020204" pitchFamily="34" charset="-122"/>
+            </a:endParaRPr>
+          </a:p>
+          <a:p>
+            <a:pPr marL="457200" lvl="1" indent="0">
+              <a:buNone/>
+            </a:pPr>
+            <a:r>
+              <a:rPr lang="en-US" altLang="zh-CN" sz="3200" dirty="0">
+                <a:solidFill>
+                  <a:schemeClr val="bg1"/>
+                </a:solidFill>
+                <a:latin typeface="微软雅黑" panose="020B0503020204020204" pitchFamily="34" charset="-122"/>
+                <a:ea typeface="微软雅黑" panose="020B0503020204020204" pitchFamily="34" charset="-122"/>
+              </a:rPr>
+              <a:t>NumPy</a:t>
+            </a:r>
+            <a:r>
+              <a:rPr lang="zh-CN" altLang="en-US" sz="3200" dirty="0">
+                <a:solidFill>
+                  <a:schemeClr val="bg1"/>
+                </a:solidFill>
+                <a:latin typeface="微软雅黑" panose="020B0503020204020204" pitchFamily="34" charset="-122"/>
+                <a:ea typeface="微软雅黑" panose="020B0503020204020204" pitchFamily="34" charset="-122"/>
+              </a:rPr>
+              <a:t>是</a:t>
+            </a:r>
+            <a:r>
+              <a:rPr lang="en-US" altLang="zh-CN" sz="3200" dirty="0">
+                <a:solidFill>
+                  <a:schemeClr val="bg1"/>
+                </a:solidFill>
+                <a:latin typeface="微软雅黑" panose="020B0503020204020204" pitchFamily="34" charset="-122"/>
+                <a:ea typeface="微软雅黑" panose="020B0503020204020204" pitchFamily="34" charset="-122"/>
+              </a:rPr>
+              <a:t>Python</a:t>
+            </a:r>
+            <a:r>
+              <a:rPr lang="zh-CN" altLang="en-US" sz="3200" dirty="0">
+                <a:solidFill>
+                  <a:schemeClr val="bg1"/>
+                </a:solidFill>
+                <a:latin typeface="微软雅黑" panose="020B0503020204020204" pitchFamily="34" charset="-122"/>
+                <a:ea typeface="微软雅黑" panose="020B0503020204020204" pitchFamily="34" charset="-122"/>
+              </a:rPr>
+              <a:t>语言的一个扩充程序库，支持高级的数组与矩阵运算。是目前机器学习领域中最常用的</a:t>
+            </a:r>
+            <a:r>
+              <a:rPr lang="en-US" altLang="zh-CN" sz="3200" dirty="0">
+                <a:solidFill>
+                  <a:schemeClr val="bg1"/>
+                </a:solidFill>
+                <a:latin typeface="微软雅黑" panose="020B0503020204020204" pitchFamily="34" charset="-122"/>
+                <a:ea typeface="微软雅黑" panose="020B0503020204020204" pitchFamily="34" charset="-122"/>
+              </a:rPr>
+              <a:t>Python</a:t>
+            </a:r>
+            <a:r>
+              <a:rPr lang="zh-CN" altLang="en-US" sz="3200" dirty="0">
+                <a:solidFill>
+                  <a:schemeClr val="bg1"/>
+                </a:solidFill>
+                <a:latin typeface="微软雅黑" panose="020B0503020204020204" pitchFamily="34" charset="-122"/>
+                <a:ea typeface="微软雅黑" panose="020B0503020204020204" pitchFamily="34" charset="-122"/>
+              </a:rPr>
+              <a:t>库之一。</a:t>
+            </a:r>
+          </a:p>
+        </p:txBody>
+      </p:sp>
+    </p:spTree>
+    <p:extLst>
+      <p:ext uri="{BB962C8B-B14F-4D97-AF65-F5344CB8AC3E}">
+        <p14:creationId xmlns:p14="http://schemas.microsoft.com/office/powerpoint/2010/main" val="297750897"/>
+      </p:ext>
+    </p:extLst>
+  </p:cSld>
+  <p:clrMapOvr>
+    <a:masterClrMapping/>
+  </p:clrMapOvr>
+  <p:timing>
+    <p:tnLst>
+      <p:par>
+        <p:cTn id="1" dur="indefinite" restart="never" nodeType="tmRoot">
+          <p:childTnLst>
+            <p:seq concurrent="1" nextAc="seek">
+              <p:cTn id="2" dur="indefinite" nodeType="mainSeq">
+                <p:childTnLst>
+                  <p:par>
+                    <p:cTn id="3" fill="hold">
+                      <p:stCondLst>
+                        <p:cond delay="indefinite"/>
+                      </p:stCondLst>
+                      <p:childTnLst>
+                        <p:par>
+                          <p:cTn id="4" fill="hold">
+                            <p:stCondLst>
+                              <p:cond delay="0"/>
+                            </p:stCondLst>
+                            <p:childTnLst>
+                              <p:par>
+                                <p:cTn id="5" presetID="10" presetClass="entr" presetSubtype="0" fill="hold" nodeType="clickEffect">
+                                  <p:stCondLst>
+                                    <p:cond delay="0"/>
+                                  </p:stCondLst>
+                                  <p:childTnLst>
+                                    <p:set>
+                                      <p:cBhvr>
+                                        <p:cTn id="6" dur="1" fill="hold">
+                                          <p:stCondLst>
+                                            <p:cond delay="0"/>
+                                          </p:stCondLst>
+                                        </p:cTn>
+                                        <p:tgtEl>
+                                          <p:spTgt spid="3">
+                                            <p:txEl>
+                                              <p:pRg st="4" end="4"/>
+                                            </p:txEl>
+                                          </p:spTgt>
+                                        </p:tgtEl>
+                                        <p:attrNameLst>
+                                          <p:attrName>style.visibility</p:attrName>
+                                        </p:attrNameLst>
+                                      </p:cBhvr>
+                                      <p:to>
+                                        <p:strVal val="visible"/>
+                                      </p:to>
+                                    </p:set>
+                                    <p:animEffect transition="in" filter="fade">
+                                      <p:cBhvr>
+                                        <p:cTn id="7" dur="500"/>
+                                        <p:tgtEl>
+                                          <p:spTgt spid="3">
+                                            <p:txEl>
+                                              <p:pRg st="4" end="4"/>
+                                            </p:txEl>
+                                          </p:spTgt>
+                                        </p:tgtEl>
+                                      </p:cBhvr>
+                                    </p:animEffect>
+                                  </p:childTnLst>
+                                </p:cTn>
+                              </p:par>
+                              <p:par>
+                                <p:cTn id="8" presetID="10" presetClass="entr" presetSubtype="0" fill="hold" nodeType="withEffect">
+                                  <p:stCondLst>
+                                    <p:cond delay="0"/>
+                                  </p:stCondLst>
+                                  <p:childTnLst>
+                                    <p:set>
+                                      <p:cBhvr>
+                                        <p:cTn id="9" dur="1" fill="hold">
+                                          <p:stCondLst>
+                                            <p:cond delay="0"/>
+                                          </p:stCondLst>
+                                        </p:cTn>
+                                        <p:tgtEl>
+                                          <p:spTgt spid="3">
+                                            <p:txEl>
+                                              <p:pRg st="5" end="5"/>
+                                            </p:txEl>
+                                          </p:spTgt>
+                                        </p:tgtEl>
+                                        <p:attrNameLst>
+                                          <p:attrName>style.visibility</p:attrName>
+                                        </p:attrNameLst>
+                                      </p:cBhvr>
+                                      <p:to>
+                                        <p:strVal val="visible"/>
+                                      </p:to>
+                                    </p:set>
+                                    <p:animEffect transition="in" filter="fade">
+                                      <p:cBhvr>
+                                        <p:cTn id="10" dur="500"/>
+                                        <p:tgtEl>
+                                          <p:spTgt spid="3">
+                                            <p:txEl>
+                                              <p:pRg st="5" end="5"/>
+                                            </p:txEl>
+                                          </p:spTgt>
+                                        </p:tgtEl>
+                                      </p:cBhvr>
+                                    </p:animEffect>
+                                  </p:childTnLst>
+                                </p:cTn>
+                              </p:par>
+                            </p:childTnLst>
+                          </p:cTn>
+                        </p:par>
+                      </p:childTnLst>
+                    </p:cTn>
+                  </p:par>
+                </p:childTnLst>
+              </p:cTn>
+              <p:prevCondLst>
+                <p:cond evt="onPrev" delay="0">
+                  <p:tgtEl>
+                    <p:sldTgt/>
+                  </p:tgtEl>
+                </p:cond>
+              </p:prevCondLst>
+              <p:nextCondLst>
+                <p:cond evt="onNext" delay="0">
+                  <p:tgtEl>
+                    <p:sldTgt/>
+                  </p:tgtEl>
+                </p:cond>
+              </p:nextCondLst>
+            </p:seq>
+          </p:childTnLst>
+        </p:cTn>
+      </p:par>
+    </p:tnLst>
+  </p:timing>
+</p:sld>
+</file>
+
+<file path=ppt/slides/slide5.xml><?xml version="1.0" encoding="utf-8"?>
+<p:sld xmlns:a="http://schemas.openxmlformats.org/drawingml/2006/main" xmlns:r="http://schemas.openxmlformats.org/officeDocument/2006/relationships" xmlns:p="http://schemas.openxmlformats.org/presentationml/2006/main">
+  <p:cSld>
+    <p:spTree>
+      <p:nvGrpSpPr>
+        <p:cNvPr id="1" name=""/>
+        <p:cNvGrpSpPr/>
+        <p:nvPr/>
+      </p:nvGrpSpPr>
+      <p:grpSpPr>
+        <a:xfrm>
+          <a:off x="0" y="0"/>
+          <a:ext cx="0" cy="0"/>
+          <a:chOff x="0" y="0"/>
+          <a:chExt cx="0" cy="0"/>
+        </a:xfrm>
+      </p:grpSpPr>
+      <p:sp>
+        <p:nvSpPr>
+          <p:cNvPr id="2" name="标题 1">
+            <a:extLst>
+              <a:ext uri="{FF2B5EF4-FFF2-40B4-BE49-F238E27FC236}">
+                <a16:creationId xmlns:a16="http://schemas.microsoft.com/office/drawing/2014/main" id="{FFD7E520-385C-4F25-9368-13EC81F8AFD1}"/>
+              </a:ext>
+            </a:extLst>
+          </p:cNvPr>
+          <p:cNvSpPr>
+            <a:spLocks noGrp="1"/>
+          </p:cNvSpPr>
+          <p:nvPr>
+            <p:ph type="title"/>
+          </p:nvPr>
+        </p:nvSpPr>
+        <p:spPr>
+          <a:xfrm>
+            <a:off x="2220191" y="2766219"/>
+            <a:ext cx="7751618" cy="1325563"/>
+          </a:xfrm>
+        </p:spPr>
+        <p:txBody>
+          <a:bodyPr>
+            <a:normAutofit fontScale="90000"/>
+          </a:bodyPr>
+          <a:lstStyle/>
+          <a:p>
+            <a:r>
+              <a:rPr lang="en-US" altLang="zh-CN" sz="6000" dirty="0">
+                <a:solidFill>
+                  <a:schemeClr val="bg1"/>
+                </a:solidFill>
+                <a:latin typeface="微软雅黑" panose="020B0503020204020204" pitchFamily="34" charset="-122"/>
+                <a:ea typeface="微软雅黑" panose="020B0503020204020204" pitchFamily="34" charset="-122"/>
+              </a:rPr>
+              <a:t>2. Python</a:t>
+            </a:r>
+            <a:r>
+              <a:rPr lang="zh-CN" altLang="en-US" sz="6000" dirty="0">
+                <a:solidFill>
+                  <a:schemeClr val="bg1"/>
+                </a:solidFill>
+                <a:latin typeface="微软雅黑" panose="020B0503020204020204" pitchFamily="34" charset="-122"/>
+                <a:ea typeface="微软雅黑" panose="020B0503020204020204" pitchFamily="34" charset="-122"/>
+              </a:rPr>
+              <a:t>的下载与安装</a:t>
+            </a:r>
+            <a:endParaRPr lang="en-US" altLang="zh-CN" sz="6000" dirty="0">
+              <a:solidFill>
+                <a:schemeClr val="bg1"/>
+              </a:solidFill>
+              <a:latin typeface="微软雅黑" panose="020B0503020204020204" pitchFamily="34" charset="-122"/>
+              <a:ea typeface="微软雅黑" panose="020B0503020204020204" pitchFamily="34" charset="-122"/>
+            </a:endParaRPr>
+          </a:p>
+        </p:txBody>
+      </p:sp>
+    </p:spTree>
+    <p:extLst>
+      <p:ext uri="{BB962C8B-B14F-4D97-AF65-F5344CB8AC3E}">
+        <p14:creationId xmlns:p14="http://schemas.microsoft.com/office/powerpoint/2010/main" val="3548627698"/>
+      </p:ext>
+    </p:extLst>
+  </p:cSld>
+  <p:clrMapOvr>
+    <a:masterClrMapping/>
+  </p:clrMapOvr>
+  <mc:AlternateContent xmlns:mc="http://schemas.openxmlformats.org/markup-compatibility/2006" xmlns:p14="http://schemas.microsoft.com/office/powerpoint/2010/main">
+    <mc:Choice Requires="p14">
+      <p:transition spd="med" p14:dur="700">
+        <p:fade/>
+      </p:transition>
+    </mc:Choice>
+    <mc:Fallback xmlns="">
+      <p:transition spd="med">
+        <p:fade/>
+      </p:transition>
+    </mc:Fallback>
+  </mc:AlternateContent>
+</p:sld>
+</file>
+
+<file path=ppt/slides/slide6.xml><?xml version="1.0" encoding="utf-8"?>
+<p:sld xmlns:a="http://schemas.openxmlformats.org/drawingml/2006/main" xmlns:r="http://schemas.openxmlformats.org/officeDocument/2006/relationships" xmlns:p="http://schemas.openxmlformats.org/presentationml/2006/main">
+  <p:cSld>
+    <p:spTree>
+      <p:nvGrpSpPr>
+        <p:cNvPr id="1" name=""/>
+        <p:cNvGrpSpPr/>
+        <p:nvPr/>
+      </p:nvGrpSpPr>
+      <p:grpSpPr>
+        <a:xfrm>
+          <a:off x="0" y="0"/>
+          <a:ext cx="0" cy="0"/>
+          <a:chOff x="0" y="0"/>
+          <a:chExt cx="0" cy="0"/>
+        </a:xfrm>
+      </p:grpSpPr>
+      <p:sp>
+        <p:nvSpPr>
           <p:cNvPr id="2" name="标题 1">
             <a:extLst>
               <a:ext uri="{FF2B5EF4-FFF2-40B4-BE49-F238E27FC236}">
@@ -4383,218 +5300,13 @@
   <p:clrMapOvr>
     <a:masterClrMapping/>
   </p:clrMapOvr>
-  <mc:AlternateContent xmlns:mc="http://schemas.openxmlformats.org/markup-compatibility/2006">
-    <mc:Choice xmlns:p14="http://schemas.microsoft.com/office/powerpoint/2010/main" Requires="p14">
+  <mc:AlternateContent xmlns:mc="http://schemas.openxmlformats.org/markup-compatibility/2006" xmlns:p14="http://schemas.microsoft.com/office/powerpoint/2010/main">
+    <mc:Choice Requires="p14">
       <p:transition spd="med" p14:dur="700">
         <p:fade/>
       </p:transition>
     </mc:Choice>
-    <mc:Fallback>
-      <p:transition spd="med">
-        <p:fade/>
-      </p:transition>
-    </mc:Fallback>
-  </mc:AlternateContent>
-</p:sld>
-</file>
-
-<file path=ppt/slides/slide5.xml><?xml version="1.0" encoding="utf-8"?>
-<p:sld xmlns:a="http://schemas.openxmlformats.org/drawingml/2006/main" xmlns:r="http://schemas.openxmlformats.org/officeDocument/2006/relationships" xmlns:p="http://schemas.openxmlformats.org/presentationml/2006/main">
-  <p:cSld>
-    <p:spTree>
-      <p:nvGrpSpPr>
-        <p:cNvPr id="1" name=""/>
-        <p:cNvGrpSpPr/>
-        <p:nvPr/>
-      </p:nvGrpSpPr>
-      <p:grpSpPr>
-        <a:xfrm>
-          <a:off x="0" y="0"/>
-          <a:ext cx="0" cy="0"/>
-          <a:chOff x="0" y="0"/>
-          <a:chExt cx="0" cy="0"/>
-        </a:xfrm>
-      </p:grpSpPr>
-      <p:sp>
-        <p:nvSpPr>
-          <p:cNvPr id="2" name="标题 1">
-            <a:extLst>
-              <a:ext uri="{FF2B5EF4-FFF2-40B4-BE49-F238E27FC236}">
-                <a16:creationId xmlns:a16="http://schemas.microsoft.com/office/drawing/2014/main" id="{FFD7E520-385C-4F25-9368-13EC81F8AFD1}"/>
-              </a:ext>
-            </a:extLst>
-          </p:cNvPr>
-          <p:cNvSpPr>
-            <a:spLocks noGrp="1"/>
-          </p:cNvSpPr>
-          <p:nvPr>
-            <p:ph type="title"/>
-          </p:nvPr>
-        </p:nvSpPr>
-        <p:spPr>
-          <a:xfrm>
-            <a:off x="2220191" y="2766219"/>
-            <a:ext cx="7751618" cy="1325563"/>
-          </a:xfrm>
-        </p:spPr>
-        <p:txBody>
-          <a:bodyPr>
-            <a:normAutofit/>
-          </a:bodyPr>
-          <a:lstStyle/>
-          <a:p>
-            <a:pPr algn="ctr"/>
-            <a:r>
-              <a:rPr lang="zh-CN" altLang="en-US" sz="6000" dirty="0">
-                <a:solidFill>
-                  <a:schemeClr val="bg1"/>
-                </a:solidFill>
-                <a:latin typeface="微软雅黑" panose="020B0503020204020204" pitchFamily="34" charset="-122"/>
-                <a:ea typeface="微软雅黑" panose="020B0503020204020204" pitchFamily="34" charset="-122"/>
-              </a:rPr>
-              <a:t>第二步：安装</a:t>
-            </a:r>
-            <a:r>
-              <a:rPr lang="en-US" altLang="zh-CN" sz="6000" dirty="0">
-                <a:solidFill>
-                  <a:schemeClr val="bg1"/>
-                </a:solidFill>
-                <a:latin typeface="微软雅黑" panose="020B0503020204020204" pitchFamily="34" charset="-122"/>
-                <a:ea typeface="微软雅黑" panose="020B0503020204020204" pitchFamily="34" charset="-122"/>
-              </a:rPr>
-              <a:t>Python</a:t>
-            </a:r>
-            <a:endParaRPr lang="zh-CN" altLang="en-US" sz="6000" dirty="0">
-              <a:solidFill>
-                <a:schemeClr val="bg1"/>
-              </a:solidFill>
-              <a:latin typeface="微软雅黑" panose="020B0503020204020204" pitchFamily="34" charset="-122"/>
-              <a:ea typeface="微软雅黑" panose="020B0503020204020204" pitchFamily="34" charset="-122"/>
-            </a:endParaRPr>
-          </a:p>
-        </p:txBody>
-      </p:sp>
-    </p:spTree>
-    <p:extLst>
-      <p:ext uri="{BB962C8B-B14F-4D97-AF65-F5344CB8AC3E}">
-        <p14:creationId xmlns:p14="http://schemas.microsoft.com/office/powerpoint/2010/main" val="281136417"/>
-      </p:ext>
-    </p:extLst>
-  </p:cSld>
-  <p:clrMapOvr>
-    <a:masterClrMapping/>
-  </p:clrMapOvr>
-  <mc:AlternateContent xmlns:mc="http://schemas.openxmlformats.org/markup-compatibility/2006">
-    <mc:Choice xmlns:p14="http://schemas.microsoft.com/office/powerpoint/2010/main" Requires="p14">
-      <p:transition spd="med" p14:dur="700">
-        <p:fade/>
-      </p:transition>
-    </mc:Choice>
-    <mc:Fallback>
-      <p:transition spd="med">
-        <p:fade/>
-      </p:transition>
-    </mc:Fallback>
-  </mc:AlternateContent>
-</p:sld>
-</file>
-
-<file path=ppt/slides/slide6.xml><?xml version="1.0" encoding="utf-8"?>
-<p:sld xmlns:a="http://schemas.openxmlformats.org/drawingml/2006/main" xmlns:r="http://schemas.openxmlformats.org/officeDocument/2006/relationships" xmlns:p="http://schemas.openxmlformats.org/presentationml/2006/main">
-  <p:cSld>
-    <p:spTree>
-      <p:nvGrpSpPr>
-        <p:cNvPr id="1" name=""/>
-        <p:cNvGrpSpPr/>
-        <p:nvPr/>
-      </p:nvGrpSpPr>
-      <p:grpSpPr>
-        <a:xfrm>
-          <a:off x="0" y="0"/>
-          <a:ext cx="0" cy="0"/>
-          <a:chOff x="0" y="0"/>
-          <a:chExt cx="0" cy="0"/>
-        </a:xfrm>
-      </p:grpSpPr>
-      <p:sp>
-        <p:nvSpPr>
-          <p:cNvPr id="2" name="标题 1">
-            <a:extLst>
-              <a:ext uri="{FF2B5EF4-FFF2-40B4-BE49-F238E27FC236}">
-                <a16:creationId xmlns:a16="http://schemas.microsoft.com/office/drawing/2014/main" id="{FFD7E520-385C-4F25-9368-13EC81F8AFD1}"/>
-              </a:ext>
-            </a:extLst>
-          </p:cNvPr>
-          <p:cNvSpPr>
-            <a:spLocks noGrp="1"/>
-          </p:cNvSpPr>
-          <p:nvPr>
-            <p:ph type="title"/>
-          </p:nvPr>
-        </p:nvSpPr>
-        <p:spPr>
-          <a:xfrm>
-            <a:off x="1127448" y="2766219"/>
-            <a:ext cx="9937104" cy="1325563"/>
-          </a:xfrm>
-        </p:spPr>
-        <p:txBody>
-          <a:bodyPr>
-            <a:normAutofit fontScale="90000"/>
-          </a:bodyPr>
-          <a:lstStyle/>
-          <a:p>
-            <a:pPr algn="ctr"/>
-            <a:r>
-              <a:rPr lang="zh-CN" altLang="en-US" sz="6000" dirty="0">
-                <a:solidFill>
-                  <a:schemeClr val="bg1"/>
-                </a:solidFill>
-                <a:latin typeface="微软雅黑" panose="020B0503020204020204" pitchFamily="34" charset="-122"/>
-                <a:ea typeface="微软雅黑" panose="020B0503020204020204" pitchFamily="34" charset="-122"/>
-              </a:rPr>
-              <a:t>第三步：测试下</a:t>
-            </a:r>
-            <a:r>
-              <a:rPr lang="en-US" altLang="zh-CN" sz="6000" dirty="0">
-                <a:solidFill>
-                  <a:schemeClr val="bg1"/>
-                </a:solidFill>
-                <a:latin typeface="微软雅黑" panose="020B0503020204020204" pitchFamily="34" charset="-122"/>
-                <a:ea typeface="微软雅黑" panose="020B0503020204020204" pitchFamily="34" charset="-122"/>
-              </a:rPr>
-              <a:t>Python</a:t>
-            </a:r>
-            <a:r>
-              <a:rPr lang="zh-CN" altLang="en-US" sz="6000" dirty="0">
-                <a:solidFill>
-                  <a:schemeClr val="bg1"/>
-                </a:solidFill>
-                <a:latin typeface="微软雅黑" panose="020B0503020204020204" pitchFamily="34" charset="-122"/>
-                <a:ea typeface="微软雅黑" panose="020B0503020204020204" pitchFamily="34" charset="-122"/>
-              </a:rPr>
-              <a:t>的安装</a:t>
-            </a:r>
-          </a:p>
-        </p:txBody>
-      </p:sp>
-    </p:spTree>
-    <p:extLst>
-      <p:ext uri="{BB962C8B-B14F-4D97-AF65-F5344CB8AC3E}">
-        <p14:creationId xmlns:p14="http://schemas.microsoft.com/office/powerpoint/2010/main" val="544479893"/>
-      </p:ext>
-    </p:extLst>
-  </p:cSld>
-  <p:clrMapOvr>
-    <a:masterClrMapping/>
-  </p:clrMapOvr>
-  <mc:AlternateContent xmlns:mc="http://schemas.openxmlformats.org/markup-compatibility/2006">
-    <mc:Choice xmlns:p14="http://schemas.microsoft.com/office/powerpoint/2010/main" Requires="p14">
-      <p:transition spd="med" p14:dur="700">
-        <p:fade/>
-      </p:transition>
-    </mc:Choice>
-    <mc:Fallback>
+    <mc:Fallback xmlns="">
       <p:transition spd="med">
         <p:fade/>
       </p:transition>
@@ -4638,8 +5350,8 @@
         </p:nvSpPr>
         <p:spPr>
           <a:xfrm>
-            <a:off x="1127448" y="2766219"/>
-            <a:ext cx="9937104" cy="1325563"/>
+            <a:off x="2220191" y="2766219"/>
+            <a:ext cx="7751618" cy="1325563"/>
           </a:xfrm>
         </p:spPr>
         <p:txBody>
@@ -4650,6 +5362,16 @@
           <a:p>
             <a:pPr algn="ctr"/>
             <a:r>
+              <a:rPr lang="en-US" altLang="zh-CN" sz="6000" dirty="0">
+                <a:solidFill>
+                  <a:schemeClr val="bg1"/>
+                </a:solidFill>
+                <a:latin typeface="微软雅黑" panose="020B0503020204020204" pitchFamily="34" charset="-122"/>
+                <a:ea typeface="微软雅黑" panose="020B0503020204020204" pitchFamily="34" charset="-122"/>
+              </a:rPr>
+              <a:t>3. </a:t>
+            </a:r>
+            <a:r>
               <a:rPr lang="zh-CN" altLang="en-US" sz="6000" dirty="0">
                 <a:solidFill>
                   <a:schemeClr val="bg1"/>
@@ -4657,7 +5379,7 @@
                 <a:latin typeface="微软雅黑" panose="020B0503020204020204" pitchFamily="34" charset="-122"/>
                 <a:ea typeface="微软雅黑" panose="020B0503020204020204" pitchFamily="34" charset="-122"/>
               </a:rPr>
-              <a:t>第四步：安装</a:t>
+              <a:t>第一个</a:t>
             </a:r>
             <a:r>
               <a:rPr lang="en-US" altLang="zh-CN" sz="6000" dirty="0">
@@ -4667,7 +5389,7 @@
                 <a:latin typeface="微软雅黑" panose="020B0503020204020204" pitchFamily="34" charset="-122"/>
                 <a:ea typeface="微软雅黑" panose="020B0503020204020204" pitchFamily="34" charset="-122"/>
               </a:rPr>
-              <a:t>NumPy</a:t>
+              <a:t>Python</a:t>
             </a:r>
             <a:r>
               <a:rPr lang="zh-CN" altLang="en-US" sz="6000" dirty="0">
@@ -4677,7 +5399,7 @@
                 <a:latin typeface="微软雅黑" panose="020B0503020204020204" pitchFamily="34" charset="-122"/>
                 <a:ea typeface="微软雅黑" panose="020B0503020204020204" pitchFamily="34" charset="-122"/>
               </a:rPr>
-              <a:t>库</a:t>
+              <a:t>程序</a:t>
             </a:r>
           </a:p>
         </p:txBody>
@@ -4685,20 +5407,20 @@
     </p:spTree>
     <p:extLst>
       <p:ext uri="{BB962C8B-B14F-4D97-AF65-F5344CB8AC3E}">
-        <p14:creationId xmlns:p14="http://schemas.microsoft.com/office/powerpoint/2010/main" val="2796436485"/>
+        <p14:creationId xmlns:p14="http://schemas.microsoft.com/office/powerpoint/2010/main" val="281136417"/>
       </p:ext>
     </p:extLst>
   </p:cSld>
   <p:clrMapOvr>
     <a:masterClrMapping/>
   </p:clrMapOvr>
-  <mc:AlternateContent xmlns:mc="http://schemas.openxmlformats.org/markup-compatibility/2006">
-    <mc:Choice xmlns:p14="http://schemas.microsoft.com/office/powerpoint/2010/main" Requires="p14">
+  <mc:AlternateContent xmlns:mc="http://schemas.openxmlformats.org/markup-compatibility/2006" xmlns:p14="http://schemas.microsoft.com/office/powerpoint/2010/main">
+    <mc:Choice Requires="p14">
       <p:transition spd="med" p14:dur="700">
         <p:fade/>
       </p:transition>
     </mc:Choice>
-    <mc:Fallback>
+    <mc:Fallback xmlns="">
       <p:transition spd="med">
         <p:fade/>
       </p:transition>
@@ -4726,24 +5448,24 @@
       </p:grpSpPr>
       <p:sp>
         <p:nvSpPr>
-          <p:cNvPr id="2" name="标题 1">
-            <a:extLst>
-              <a:ext uri="{FF2B5EF4-FFF2-40B4-BE49-F238E27FC236}">
-                <a16:creationId xmlns:a16="http://schemas.microsoft.com/office/drawing/2014/main" id="{FFD7E520-385C-4F25-9368-13EC81F8AFD1}"/>
-              </a:ext>
-            </a:extLst>
-          </p:cNvPr>
-          <p:cNvSpPr>
-            <a:spLocks noGrp="1"/>
-          </p:cNvSpPr>
-          <p:nvPr>
-            <p:ph type="title"/>
+          <p:cNvPr id="4" name="内容占位符 2">
+            <a:extLst>
+              <a:ext uri="{FF2B5EF4-FFF2-40B4-BE49-F238E27FC236}">
+                <a16:creationId xmlns:a16="http://schemas.microsoft.com/office/drawing/2014/main" id="{6F6C4555-DFA5-4611-882C-A28C3E7D3A1B}"/>
+              </a:ext>
+            </a:extLst>
+          </p:cNvPr>
+          <p:cNvSpPr>
+            <a:spLocks noGrp="1"/>
+          </p:cNvSpPr>
+          <p:nvPr>
+            <p:ph idx="1"/>
           </p:nvPr>
         </p:nvSpPr>
         <p:spPr>
           <a:xfrm>
-            <a:off x="1127448" y="2766219"/>
-            <a:ext cx="9937104" cy="1325563"/>
+            <a:off x="1738908" y="2915345"/>
+            <a:ext cx="8714184" cy="1027311"/>
           </a:xfrm>
         </p:spPr>
         <p:txBody>
@@ -4752,16 +5474,58 @@
           </a:bodyPr>
           <a:lstStyle/>
           <a:p>
-            <a:pPr algn="ctr"/>
-            <a:r>
-              <a:rPr lang="zh-CN" altLang="en-US" sz="6000" dirty="0">
-                <a:solidFill>
-                  <a:schemeClr val="bg1"/>
-                </a:solidFill>
-                <a:latin typeface="微软雅黑" panose="020B0503020204020204" pitchFamily="34" charset="-122"/>
-                <a:ea typeface="微软雅黑" panose="020B0503020204020204" pitchFamily="34" charset="-122"/>
-              </a:rPr>
-              <a:t>第五步：测试一下</a:t>
+            <a:pPr marL="0" indent="0">
+              <a:buNone/>
+            </a:pPr>
+            <a:r>
+              <a:rPr lang="zh-CN" altLang="en-US" sz="4800" dirty="0">
+                <a:solidFill>
+                  <a:schemeClr val="bg1"/>
+                </a:solidFill>
+                <a:latin typeface="微软雅黑" panose="020B0503020204020204" pitchFamily="34" charset="-122"/>
+                <a:ea typeface="微软雅黑" panose="020B0503020204020204" pitchFamily="34" charset="-122"/>
+              </a:rPr>
+              <a:t>使用</a:t>
+            </a:r>
+            <a:r>
+              <a:rPr lang="en-US" altLang="zh-CN" sz="4800" dirty="0">
+                <a:solidFill>
+                  <a:schemeClr val="bg1"/>
+                </a:solidFill>
+                <a:latin typeface="微软雅黑" panose="020B0503020204020204" pitchFamily="34" charset="-122"/>
+                <a:ea typeface="微软雅黑" panose="020B0503020204020204" pitchFamily="34" charset="-122"/>
+              </a:rPr>
+              <a:t>Python</a:t>
+            </a:r>
+            <a:r>
+              <a:rPr lang="zh-CN" altLang="en-US" sz="4800" dirty="0">
+                <a:solidFill>
+                  <a:schemeClr val="bg1"/>
+                </a:solidFill>
+                <a:latin typeface="微软雅黑" panose="020B0503020204020204" pitchFamily="34" charset="-122"/>
+                <a:ea typeface="微软雅黑" panose="020B0503020204020204" pitchFamily="34" charset="-122"/>
+              </a:rPr>
+              <a:t>打印“</a:t>
+            </a:r>
+            <a:r>
+              <a:rPr lang="en-US" altLang="zh-CN" sz="4800" dirty="0">
+                <a:solidFill>
+                  <a:schemeClr val="bg1"/>
+                </a:solidFill>
+                <a:latin typeface="微软雅黑" panose="020B0503020204020204" pitchFamily="34" charset="-122"/>
+                <a:ea typeface="微软雅黑" panose="020B0503020204020204" pitchFamily="34" charset="-122"/>
+              </a:rPr>
+              <a:t>hello world</a:t>
+            </a:r>
+            <a:r>
+              <a:rPr lang="zh-CN" altLang="en-US" sz="4800" dirty="0">
+                <a:solidFill>
+                  <a:schemeClr val="bg1"/>
+                </a:solidFill>
+                <a:latin typeface="微软雅黑" panose="020B0503020204020204" pitchFamily="34" charset="-122"/>
+                <a:ea typeface="微软雅黑" panose="020B0503020204020204" pitchFamily="34" charset="-122"/>
+              </a:rPr>
+              <a:t>”</a:t>
             </a:r>
           </a:p>
         </p:txBody>
@@ -4769,25 +5533,13 @@
     </p:spTree>
     <p:extLst>
       <p:ext uri="{BB962C8B-B14F-4D97-AF65-F5344CB8AC3E}">
-        <p14:creationId xmlns:p14="http://schemas.microsoft.com/office/powerpoint/2010/main" val="2515999620"/>
+        <p14:creationId xmlns:p14="http://schemas.microsoft.com/office/powerpoint/2010/main" val="2636834387"/>
       </p:ext>
     </p:extLst>
   </p:cSld>
   <p:clrMapOvr>
     <a:masterClrMapping/>
   </p:clrMapOvr>
-  <mc:AlternateContent xmlns:mc="http://schemas.openxmlformats.org/markup-compatibility/2006">
-    <mc:Choice xmlns:p14="http://schemas.microsoft.com/office/powerpoint/2010/main" Requires="p14">
-      <p:transition spd="med" p14:dur="700">
-        <p:fade/>
-      </p:transition>
-    </mc:Choice>
-    <mc:Fallback>
-      <p:transition spd="med">
-        <p:fade/>
-      </p:transition>
-    </mc:Fallback>
-  </mc:AlternateContent>
 </p:sld>
 </file>
 
@@ -4813,7 +5565,7 @@
           <p:cNvPr id="2" name="标题 1">
             <a:extLst>
               <a:ext uri="{FF2B5EF4-FFF2-40B4-BE49-F238E27FC236}">
-                <a16:creationId xmlns:a16="http://schemas.microsoft.com/office/drawing/2014/main" id="{BFEB4AE1-17E9-4B6B-88A6-E0A44E33050B}"/>
+                <a16:creationId xmlns:a16="http://schemas.microsoft.com/office/drawing/2014/main" id="{FFD7E520-385C-4F25-9368-13EC81F8AFD1}"/>
               </a:ext>
             </a:extLst>
           </p:cNvPr>
@@ -4826,8 +5578,8 @@
         </p:nvSpPr>
         <p:spPr>
           <a:xfrm>
-            <a:off x="5231296" y="2766219"/>
-            <a:ext cx="1729408" cy="1325563"/>
+            <a:off x="3035660" y="2766219"/>
+            <a:ext cx="6120680" cy="1325563"/>
           </a:xfrm>
         </p:spPr>
         <p:txBody>
@@ -4837,6 +5589,16 @@
           <a:lstStyle/>
           <a:p>
             <a:r>
+              <a:rPr lang="en-US" altLang="zh-CN" sz="6000" dirty="0">
+                <a:solidFill>
+                  <a:schemeClr val="bg1"/>
+                </a:solidFill>
+                <a:latin typeface="微软雅黑" panose="020B0503020204020204" pitchFamily="34" charset="-122"/>
+                <a:ea typeface="微软雅黑" panose="020B0503020204020204" pitchFamily="34" charset="-122"/>
+              </a:rPr>
+              <a:t>4. NumPy</a:t>
+            </a:r>
+            <a:r>
               <a:rPr lang="zh-CN" altLang="en-US" sz="6000" dirty="0">
                 <a:solidFill>
                   <a:schemeClr val="bg1"/>
@@ -4844,28 +5606,35 @@
                 <a:latin typeface="微软雅黑" panose="020B0503020204020204" pitchFamily="34" charset="-122"/>
                 <a:ea typeface="微软雅黑" panose="020B0503020204020204" pitchFamily="34" charset="-122"/>
               </a:rPr>
-              <a:t>结束</a:t>
-            </a:r>
+              <a:t>的安装</a:t>
+            </a:r>
+            <a:endParaRPr lang="en-US" altLang="zh-CN" sz="6000" dirty="0">
+              <a:solidFill>
+                <a:schemeClr val="bg1"/>
+              </a:solidFill>
+              <a:latin typeface="微软雅黑" panose="020B0503020204020204" pitchFamily="34" charset="-122"/>
+              <a:ea typeface="微软雅黑" panose="020B0503020204020204" pitchFamily="34" charset="-122"/>
+            </a:endParaRPr>
           </a:p>
         </p:txBody>
       </p:sp>
     </p:spTree>
     <p:extLst>
       <p:ext uri="{BB962C8B-B14F-4D97-AF65-F5344CB8AC3E}">
-        <p14:creationId xmlns:p14="http://schemas.microsoft.com/office/powerpoint/2010/main" val="835881273"/>
+        <p14:creationId xmlns:p14="http://schemas.microsoft.com/office/powerpoint/2010/main" val="544479893"/>
       </p:ext>
     </p:extLst>
   </p:cSld>
   <p:clrMapOvr>
     <a:masterClrMapping/>
   </p:clrMapOvr>
-  <mc:AlternateContent xmlns:mc="http://schemas.openxmlformats.org/markup-compatibility/2006">
-    <mc:Choice xmlns:p14="http://schemas.microsoft.com/office/powerpoint/2010/main" Requires="p14">
+  <mc:AlternateContent xmlns:mc="http://schemas.openxmlformats.org/markup-compatibility/2006" xmlns:p14="http://schemas.microsoft.com/office/powerpoint/2010/main">
+    <mc:Choice Requires="p14">
       <p:transition spd="med" p14:dur="700">
         <p:fade/>
       </p:transition>
     </mc:Choice>
-    <mc:Fallback>
+    <mc:Fallback xmlns="">
       <p:transition spd="med">
         <p:fade/>
       </p:transition>
